--- a/335.pptx
+++ b/335.pptx
@@ -5,10 +5,10 @@
     <p:sldMasterId id="2147483801" r:id="rId1"/>
   </p:sldMasterIdLst>
   <p:notesMasterIdLst>
-    <p:notesMasterId r:id="rId16"/>
+    <p:notesMasterId r:id="rId17"/>
   </p:notesMasterIdLst>
   <p:handoutMasterIdLst>
-    <p:handoutMasterId r:id="rId17"/>
+    <p:handoutMasterId r:id="rId18"/>
   </p:handoutMasterIdLst>
   <p:sldIdLst>
     <p:sldId id="256" r:id="rId2"/>
@@ -24,7 +24,8 @@
     <p:sldId id="348" r:id="rId12"/>
     <p:sldId id="349" r:id="rId13"/>
     <p:sldId id="333" r:id="rId14"/>
-    <p:sldId id="329" r:id="rId15"/>
+    <p:sldId id="350" r:id="rId15"/>
+    <p:sldId id="329" r:id="rId16"/>
   </p:sldIdLst>
   <p:sldSz cx="9144000" cy="6858000" type="screen4x3"/>
   <p:notesSz cx="6858000" cy="9144000"/>
@@ -247,7 +248,7 @@
               <a:pPr>
                 <a:defRPr/>
               </a:pPr>
-              <a:t>7/17/11</a:t>
+              <a:t>7/21/11</a:t>
             </a:fld>
             <a:endParaRPr lang="en-US"/>
           </a:p>
@@ -430,7 +431,7 @@
               <a:pPr>
                 <a:defRPr/>
               </a:pPr>
-              <a:t>7/17/11</a:t>
+              <a:t>7/21/11</a:t>
             </a:fld>
             <a:endParaRPr lang="en-US"/>
           </a:p>
@@ -1209,13 +1210,16 @@
           <a:p>
             <a:r>
               <a:rPr lang="en-US" baseline="0" dirty="0" smtClean="0"/>
-              <a:t>Also, remember that web views are among the most computationally expensive UI components. Use them with </a:t>
-            </a:r>
-            <a:r>
-              <a:rPr lang="en-US" baseline="0" smtClean="0"/>
-              <a:t>that forethought.</a:t>
-            </a:r>
-            <a:endParaRPr lang="en-US" baseline="0" dirty="0" smtClean="0"/>
+              <a:t>Also, remember that web views are among the most </a:t>
+            </a:r>
+            <a:r>
+              <a:rPr lang="en-US" baseline="0" dirty="0" smtClean="0"/>
+              <a:t>resource expensive </a:t>
+            </a:r>
+            <a:r>
+              <a:rPr lang="en-US" baseline="0" dirty="0" smtClean="0"/>
+              <a:t>UI components. Use them with that forethought.</a:t>
+            </a:r>
           </a:p>
         </p:txBody>
       </p:sp>
@@ -1252,6 +1256,186 @@
     <p:extLst>
       <p:ext uri="{BB962C8B-B14F-4D97-AF65-F5344CB8AC3E}">
         <p14:creationId xmlns:p14="http://schemas.microsoft.com/office/powerpoint/2010/main" val="4150720913"/>
+      </p:ext>
+    </p:extLst>
+  </p:cSld>
+  <p:clrMapOvr>
+    <a:masterClrMapping/>
+  </p:clrMapOvr>
+</p:notes>
+</file>
+
+<file path=ppt/notesSlides/notesSlide11.xml><?xml version="1.0" encoding="utf-8"?>
+<p:notes xmlns:a="http://schemas.openxmlformats.org/drawingml/2006/main" xmlns:r="http://schemas.openxmlformats.org/officeDocument/2006/relationships" xmlns:p="http://schemas.openxmlformats.org/presentationml/2006/main">
+  <p:cSld>
+    <p:spTree>
+      <p:nvGrpSpPr>
+        <p:cNvPr id="1" name=""/>
+        <p:cNvGrpSpPr/>
+        <p:nvPr/>
+      </p:nvGrpSpPr>
+      <p:grpSpPr>
+        <a:xfrm>
+          <a:off x="0" y="0"/>
+          <a:ext cx="0" cy="0"/>
+          <a:chOff x="0" y="0"/>
+          <a:chExt cx="0" cy="0"/>
+        </a:xfrm>
+      </p:grpSpPr>
+      <p:sp>
+        <p:nvSpPr>
+          <p:cNvPr id="2" name="Slide Image Placeholder 1"/>
+          <p:cNvSpPr>
+            <a:spLocks noGrp="1" noRot="1" noChangeAspect="1"/>
+          </p:cNvSpPr>
+          <p:nvPr>
+            <p:ph type="sldImg"/>
+          </p:nvPr>
+        </p:nvSpPr>
+        <p:spPr/>
+      </p:sp>
+      <p:sp>
+        <p:nvSpPr>
+          <p:cNvPr id="3" name="Notes Placeholder 2"/>
+          <p:cNvSpPr>
+            <a:spLocks noGrp="1"/>
+          </p:cNvSpPr>
+          <p:nvPr>
+            <p:ph type="body" idx="1"/>
+          </p:nvPr>
+        </p:nvSpPr>
+        <p:spPr/>
+        <p:txBody>
+          <a:bodyPr/>
+          <a:lstStyle/>
+          <a:p>
+            <a:endParaRPr lang="en-US" baseline="0" dirty="0" smtClean="0"/>
+          </a:p>
+        </p:txBody>
+      </p:sp>
+      <p:sp>
+        <p:nvSpPr>
+          <p:cNvPr id="4" name="Slide Number Placeholder 3"/>
+          <p:cNvSpPr>
+            <a:spLocks noGrp="1"/>
+          </p:cNvSpPr>
+          <p:nvPr>
+            <p:ph type="sldNum" sz="quarter" idx="10"/>
+          </p:nvPr>
+        </p:nvSpPr>
+        <p:spPr/>
+        <p:txBody>
+          <a:bodyPr/>
+          <a:lstStyle/>
+          <a:p>
+            <a:pPr>
+              <a:defRPr/>
+            </a:pPr>
+            <a:fld id="{C704D923-8FB6-2040-A5D7-BD75ED8E8368}" type="slidenum">
+              <a:rPr lang="en-US" smtClean="0"/>
+              <a:pPr>
+                <a:defRPr/>
+              </a:pPr>
+              <a:t>14</a:t>
+            </a:fld>
+            <a:endParaRPr lang="en-US"/>
+          </a:p>
+        </p:txBody>
+      </p:sp>
+    </p:spTree>
+    <p:extLst>
+      <p:ext uri="{BB962C8B-B14F-4D97-AF65-F5344CB8AC3E}">
+        <p14:creationId xmlns:p14="http://schemas.microsoft.com/office/powerpoint/2010/main" val="4150720913"/>
+      </p:ext>
+    </p:extLst>
+  </p:cSld>
+  <p:clrMapOvr>
+    <a:masterClrMapping/>
+  </p:clrMapOvr>
+</p:notes>
+</file>
+
+<file path=ppt/notesSlides/notesSlide12.xml><?xml version="1.0" encoding="utf-8"?>
+<p:notes xmlns:a="http://schemas.openxmlformats.org/drawingml/2006/main" xmlns:r="http://schemas.openxmlformats.org/officeDocument/2006/relationships" xmlns:p="http://schemas.openxmlformats.org/presentationml/2006/main">
+  <p:cSld>
+    <p:spTree>
+      <p:nvGrpSpPr>
+        <p:cNvPr id="1" name=""/>
+        <p:cNvGrpSpPr/>
+        <p:nvPr/>
+      </p:nvGrpSpPr>
+      <p:grpSpPr>
+        <a:xfrm>
+          <a:off x="0" y="0"/>
+          <a:ext cx="0" cy="0"/>
+          <a:chOff x="0" y="0"/>
+          <a:chExt cx="0" cy="0"/>
+        </a:xfrm>
+      </p:grpSpPr>
+      <p:sp>
+        <p:nvSpPr>
+          <p:cNvPr id="2" name="Slide Image Placeholder 1"/>
+          <p:cNvSpPr>
+            <a:spLocks noGrp="1" noRot="1" noChangeAspect="1"/>
+          </p:cNvSpPr>
+          <p:nvPr>
+            <p:ph type="sldImg"/>
+          </p:nvPr>
+        </p:nvSpPr>
+        <p:spPr/>
+      </p:sp>
+      <p:sp>
+        <p:nvSpPr>
+          <p:cNvPr id="3" name="Notes Placeholder 2"/>
+          <p:cNvSpPr>
+            <a:spLocks noGrp="1"/>
+          </p:cNvSpPr>
+          <p:nvPr>
+            <p:ph type="body" idx="1"/>
+          </p:nvPr>
+        </p:nvSpPr>
+        <p:spPr/>
+        <p:txBody>
+          <a:bodyPr/>
+          <a:lstStyle/>
+          <a:p>
+            <a:endParaRPr lang="en-US" dirty="0"/>
+          </a:p>
+        </p:txBody>
+      </p:sp>
+      <p:sp>
+        <p:nvSpPr>
+          <p:cNvPr id="4" name="Slide Number Placeholder 3"/>
+          <p:cNvSpPr>
+            <a:spLocks noGrp="1"/>
+          </p:cNvSpPr>
+          <p:nvPr>
+            <p:ph type="sldNum" sz="quarter" idx="10"/>
+          </p:nvPr>
+        </p:nvSpPr>
+        <p:spPr/>
+        <p:txBody>
+          <a:bodyPr/>
+          <a:lstStyle/>
+          <a:p>
+            <a:pPr>
+              <a:defRPr/>
+            </a:pPr>
+            <a:fld id="{C704D923-8FB6-2040-A5D7-BD75ED8E8368}" type="slidenum">
+              <a:rPr lang="en-US" smtClean="0"/>
+              <a:pPr>
+                <a:defRPr/>
+              </a:pPr>
+              <a:t>15</a:t>
+            </a:fld>
+            <a:endParaRPr lang="en-US"/>
+          </a:p>
+        </p:txBody>
+      </p:sp>
+    </p:spTree>
+    <p:extLst>
+      <p:ext uri="{BB962C8B-B14F-4D97-AF65-F5344CB8AC3E}">
+        <p14:creationId xmlns:p14="http://schemas.microsoft.com/office/powerpoint/2010/main" val="145029645"/>
       </p:ext>
     </p:extLst>
   </p:cSld>
@@ -2277,7 +2461,23 @@
             </a:r>
             <a:r>
               <a:rPr lang="en-US" baseline="0" dirty="0" smtClean="0"/>
-              <a:t> – screen-size content area with “page” indicator</a:t>
+              <a:t> – screen-size content area with “page” </a:t>
+            </a:r>
+            <a:r>
+              <a:rPr lang="en-US" baseline="0" dirty="0" smtClean="0"/>
+              <a:t>indicator</a:t>
+            </a:r>
+          </a:p>
+          <a:p>
+            <a:r>
+              <a:rPr lang="en-US" baseline="0" dirty="0" smtClean="0"/>
+              <a:t>sort of like a filmstrip of views shown within a container</a:t>
+            </a:r>
+          </a:p>
+          <a:p>
+            <a:r>
+              <a:rPr lang="en-US" baseline="0" dirty="0" smtClean="0"/>
+              <a:t>views snap into place: you can’t end up halfway between views after a swipe</a:t>
             </a:r>
             <a:endParaRPr lang="en-US" dirty="0"/>
           </a:p>
@@ -2369,6 +2569,22 @@
           <a:bodyPr/>
           <a:lstStyle/>
           <a:p>
+            <a:r>
+              <a:rPr lang="en-US" dirty="0" smtClean="0"/>
+              <a:t>Height/width = what’s visible to the user</a:t>
+            </a:r>
+          </a:p>
+          <a:p>
+            <a:r>
+              <a:rPr lang="en-US" dirty="0" smtClean="0"/>
+              <a:t>Content height/width are</a:t>
+            </a:r>
+            <a:r>
+              <a:rPr lang="en-US" baseline="0" dirty="0" smtClean="0"/>
+              <a:t> dimensions of the actual content</a:t>
+            </a:r>
+          </a:p>
+          <a:p>
             <a:endParaRPr lang="en-US" dirty="0"/>
           </a:p>
         </p:txBody>
@@ -2574,7 +2790,21 @@
           <a:bodyPr/>
           <a:lstStyle/>
           <a:p>
-            <a:endParaRPr lang="en-US" dirty="0"/>
+            <a:r>
+              <a:rPr lang="en-US" dirty="0" smtClean="0"/>
+              <a:t>Primary difference from other views would be the scale event</a:t>
+            </a:r>
+          </a:p>
+          <a:p>
+            <a:r>
+              <a:rPr lang="en-US" dirty="0" smtClean="0"/>
+              <a:t>Additional</a:t>
+            </a:r>
+            <a:r>
+              <a:rPr lang="en-US" baseline="0" dirty="0" smtClean="0"/>
+              <a:t> event object properties</a:t>
+            </a:r>
+            <a:endParaRPr lang="en-US" dirty="0" smtClean="0"/>
           </a:p>
         </p:txBody>
       </p:sp>
@@ -2670,13 +2900,34 @@
             </a:r>
             <a:r>
               <a:rPr lang="en-US" baseline="0" dirty="0" smtClean="0"/>
-              <a:t> is an array of standard views that are shown within the </a:t>
+              <a:t> </a:t>
+            </a:r>
+            <a:r>
+              <a:rPr lang="en-US" baseline="0" dirty="0" smtClean="0"/>
+              <a:t>is an array of standard views that are shown within the </a:t>
             </a:r>
             <a:r>
               <a:rPr lang="en-US" baseline="0" dirty="0" err="1" smtClean="0"/>
               <a:t>ScrollableView</a:t>
             </a:r>
             <a:endParaRPr lang="en-US" baseline="0" dirty="0" smtClean="0"/>
+          </a:p>
+          <a:p>
+            <a:endParaRPr lang="en-US" baseline="0" dirty="0" smtClean="0"/>
+          </a:p>
+          <a:p>
+            <a:r>
+              <a:rPr lang="en-US" baseline="0" dirty="0" smtClean="0"/>
+              <a:t>The white-dot paging control is a </a:t>
+            </a:r>
+            <a:r>
+              <a:rPr lang="en-US" baseline="0" dirty="0" err="1" smtClean="0"/>
+              <a:t>iOS</a:t>
+            </a:r>
+            <a:r>
+              <a:rPr lang="en-US" baseline="0" dirty="0" smtClean="0"/>
+              <a:t>-specific UI element</a:t>
+            </a:r>
           </a:p>
           <a:p>
             <a:endParaRPr lang="en-US" baseline="0" dirty="0" smtClean="0"/>
@@ -3252,7 +3503,7 @@
               <a:pPr>
                 <a:defRPr/>
               </a:pPr>
-              <a:t>7/17/11</a:t>
+              <a:t>7/21/11</a:t>
             </a:fld>
             <a:endParaRPr lang="en-US"/>
           </a:p>
@@ -3740,7 +3991,7 @@
               <a:pPr>
                 <a:defRPr/>
               </a:pPr>
-              <a:t>7/17/11</a:t>
+              <a:t>7/21/11</a:t>
             </a:fld>
             <a:endParaRPr lang="en-US"/>
           </a:p>
@@ -4302,7 +4553,7 @@
               <a:pPr>
                 <a:defRPr/>
               </a:pPr>
-              <a:t>7/17/11</a:t>
+              <a:t>7/21/11</a:t>
             </a:fld>
             <a:endParaRPr lang="en-US"/>
           </a:p>
@@ -4912,7 +5163,7 @@
               <a:pPr>
                 <a:defRPr/>
               </a:pPr>
-              <a:t>7/17/11</a:t>
+              <a:t>7/21/11</a:t>
             </a:fld>
             <a:endParaRPr lang="en-US"/>
           </a:p>
@@ -5034,7 +5285,7 @@
               <a:pPr>
                 <a:defRPr/>
               </a:pPr>
-              <a:t>7/17/11</a:t>
+              <a:t>7/21/11</a:t>
             </a:fld>
             <a:endParaRPr lang="en-US"/>
           </a:p>
@@ -5321,7 +5572,7 @@
               <a:pPr>
                 <a:defRPr/>
               </a:pPr>
-              <a:t>7/17/11</a:t>
+              <a:t>7/21/11</a:t>
             </a:fld>
             <a:endParaRPr lang="en-US"/>
           </a:p>
@@ -6912,10 +7163,16 @@
               <a:t>sav.addEventListener</a:t>
             </a:r>
             <a:r>
+              <a:rPr lang="en-US" sz="2000" dirty="0">
+                <a:latin typeface="Monaco" charset="0"/>
+              </a:rPr>
+              <a:t>('scroll</a:t>
+            </a:r>
+            <a:r>
               <a:rPr lang="en-US" sz="2000" dirty="0" smtClean="0">
                 <a:latin typeface="Monaco" charset="0"/>
               </a:rPr>
-              <a:t>('scale'</a:t>
+              <a:t>'</a:t>
             </a:r>
             <a:r>
               <a:rPr lang="en-US" sz="2000" dirty="0">
@@ -6937,19 +7194,49 @@
               <a:rPr lang="en-US" sz="2000" dirty="0">
                 <a:latin typeface="Monaco" charset="0"/>
               </a:rPr>
-              <a:t>	alert('You zoomed </a:t>
+              <a:t>	alert</a:t>
             </a:r>
             <a:r>
               <a:rPr lang="en-US" sz="2000" dirty="0" smtClean="0">
                 <a:latin typeface="Monaco" charset="0"/>
               </a:rPr>
-              <a:t>to ' + scale * 100 + '%</a:t>
+              <a:t>(</a:t>
+            </a:r>
+            <a:r>
+              <a:rPr lang="en-US" sz="2000" dirty="0">
+                <a:latin typeface="Monaco" charset="0"/>
+              </a:rPr>
+              <a:t>'You</a:t>
+            </a:r>
+            <a:r>
+              <a:rPr lang="en-US" sz="2000" dirty="0" smtClean="0">
+                <a:latin typeface="Monaco" charset="0"/>
+              </a:rPr>
+              <a:t>\</a:t>
             </a:r>
             <a:r>
               <a:rPr lang="en-US" sz="2000" dirty="0">
                 <a:latin typeface="Monaco" charset="0"/>
               </a:rPr>
               <a:t>'</a:t>
+            </a:r>
+            <a:r>
+              <a:rPr lang="en-US" sz="2000" dirty="0" smtClean="0">
+                <a:latin typeface="Monaco" charset="0"/>
+              </a:rPr>
+              <a:t>re on page </a:t>
+            </a:r>
+            <a:r>
+              <a:rPr lang="en-US" sz="2000" dirty="0" smtClean="0">
+                <a:latin typeface="Monaco" charset="0"/>
+              </a:rPr>
+              <a:t>' + </a:t>
+            </a:r>
+            <a:r>
+              <a:rPr lang="en-US" sz="2000" dirty="0" err="1" smtClean="0">
+                <a:latin typeface="Monaco" charset="0"/>
+              </a:rPr>
+              <a:t>e.currentPage</a:t>
             </a:r>
             <a:r>
               <a:rPr lang="en-US" sz="2000" dirty="0" smtClean="0">
@@ -7699,7 +7986,7 @@
             </a:pPr>
             <a:r>
               <a:rPr lang="en-US" dirty="0" smtClean="0"/>
-              <a:t>Computational expense</a:t>
+              <a:t>Resource expense</a:t>
             </a:r>
             <a:endParaRPr lang="en-US" dirty="0"/>
           </a:p>
@@ -7858,6 +8145,128 @@
           <a:chExt cx="0" cy="0"/>
         </a:xfrm>
       </p:grpSpPr>
+      <p:sp>
+        <p:nvSpPr>
+          <p:cNvPr id="2" name="Title 1"/>
+          <p:cNvSpPr>
+            <a:spLocks noGrp="1"/>
+          </p:cNvSpPr>
+          <p:nvPr>
+            <p:ph type="title"/>
+          </p:nvPr>
+        </p:nvSpPr>
+        <p:spPr/>
+        <p:txBody>
+          <a:bodyPr/>
+          <a:lstStyle/>
+          <a:p>
+            <a:r>
+              <a:rPr lang="en-US" dirty="0" smtClean="0"/>
+              <a:t>Lab Goals</a:t>
+            </a:r>
+            <a:endParaRPr lang="en-US" dirty="0"/>
+          </a:p>
+        </p:txBody>
+      </p:sp>
+      <p:sp>
+        <p:nvSpPr>
+          <p:cNvPr id="3" name="Content Placeholder 2"/>
+          <p:cNvSpPr>
+            <a:spLocks noGrp="1"/>
+          </p:cNvSpPr>
+          <p:nvPr>
+            <p:ph idx="1"/>
+          </p:nvPr>
+        </p:nvSpPr>
+        <p:spPr/>
+        <p:txBody>
+          <a:bodyPr/>
+          <a:lstStyle/>
+          <a:p>
+            <a:r>
+              <a:rPr lang="en-US" dirty="0" smtClean="0"/>
+              <a:t>Use both </a:t>
+            </a:r>
+            <a:r>
+              <a:rPr lang="en-US" dirty="0" err="1" smtClean="0"/>
+              <a:t>ScrollView</a:t>
+            </a:r>
+            <a:r>
+              <a:rPr lang="en-US" dirty="0" smtClean="0"/>
+              <a:t> and </a:t>
+            </a:r>
+            <a:r>
+              <a:rPr lang="en-US" dirty="0" err="1" smtClean="0"/>
+              <a:t>ScrollableView</a:t>
+            </a:r>
+            <a:r>
+              <a:rPr lang="en-US" dirty="0" smtClean="0"/>
+              <a:t> in an app</a:t>
+            </a:r>
+          </a:p>
+          <a:p>
+            <a:endParaRPr lang="en-US" dirty="0"/>
+          </a:p>
+          <a:p>
+            <a:r>
+              <a:rPr lang="en-US" dirty="0" smtClean="0"/>
+              <a:t>Use </a:t>
+            </a:r>
+            <a:r>
+              <a:rPr lang="en-US" dirty="0" err="1" smtClean="0"/>
+              <a:t>ScrollView</a:t>
+            </a:r>
+            <a:r>
+              <a:rPr lang="en-US" dirty="0" smtClean="0"/>
+              <a:t> as tab-strip style component</a:t>
+            </a:r>
+          </a:p>
+          <a:p>
+            <a:endParaRPr lang="en-US" dirty="0"/>
+          </a:p>
+          <a:p>
+            <a:r>
+              <a:rPr lang="en-US" dirty="0" smtClean="0"/>
+              <a:t>It will control what is shown in the </a:t>
+            </a:r>
+            <a:r>
+              <a:rPr lang="en-US" dirty="0" err="1" smtClean="0"/>
+              <a:t>ScrollableView</a:t>
+            </a:r>
+            <a:endParaRPr lang="en-US" dirty="0"/>
+          </a:p>
+        </p:txBody>
+      </p:sp>
+    </p:spTree>
+    <p:extLst>
+      <p:ext uri="{BB962C8B-B14F-4D97-AF65-F5344CB8AC3E}">
+        <p14:creationId xmlns:p14="http://schemas.microsoft.com/office/powerpoint/2010/main" val="1137771843"/>
+      </p:ext>
+    </p:extLst>
+  </p:cSld>
+  <p:clrMapOvr>
+    <a:masterClrMapping/>
+  </p:clrMapOvr>
+</p:sld>
+</file>
+
+<file path=ppt/slides/slide15.xml><?xml version="1.0" encoding="utf-8"?>
+<p:sld xmlns:a="http://schemas.openxmlformats.org/drawingml/2006/main" xmlns:r="http://schemas.openxmlformats.org/officeDocument/2006/relationships" xmlns:p="http://schemas.openxmlformats.org/presentationml/2006/main">
+  <p:cSld>
+    <p:spTree>
+      <p:nvGrpSpPr>
+        <p:cNvPr id="1" name=""/>
+        <p:cNvGrpSpPr/>
+        <p:nvPr/>
+      </p:nvGrpSpPr>
+      <p:grpSpPr>
+        <a:xfrm>
+          <a:off x="0" y="0"/>
+          <a:ext cx="0" cy="0"/>
+          <a:chOff x="0" y="0"/>
+          <a:chExt cx="0" cy="0"/>
+        </a:xfrm>
+      </p:grpSpPr>
       <p:pic>
         <p:nvPicPr>
           <p:cNvPr id="23553" name="Picture 5" descr="raised_paper.png"/>
@@ -7867,7 +8276,7 @@
           <p:nvPr/>
         </p:nvPicPr>
         <p:blipFill>
-          <a:blip r:embed="rId2">
+          <a:blip r:embed="rId3">
             <a:extLst>
               <a:ext uri="{28A0092B-C50C-407E-A947-70E740481C1C}">
                 <a14:useLocalDpi xmlns:a14="http://schemas.microsoft.com/office/drawing/2010/main" val="0"/>
@@ -7940,7 +8349,7 @@
                 </a:solidFill>
                 <a:latin typeface="Trebuchet MS" charset="0"/>
               </a:rPr>
-              <a:t>Lab Exercise</a:t>
+              <a:t>Lab</a:t>
             </a:r>
             <a:endParaRPr lang="en-US" sz="4800" i="1" dirty="0">
               <a:solidFill>
@@ -9319,7 +9728,25 @@
               <a:rPr lang="en-US" sz="2000" dirty="0" smtClean="0">
                 <a:latin typeface="Monaco" charset="0"/>
               </a:rPr>
-              <a:t>to ' + scale * 100 + '%</a:t>
+              <a:t>to ' + </a:t>
+            </a:r>
+            <a:r>
+              <a:rPr lang="en-US" sz="2000" dirty="0" err="1" smtClean="0">
+                <a:latin typeface="Monaco" charset="0"/>
+              </a:rPr>
+              <a:t>e.scale</a:t>
+            </a:r>
+            <a:r>
+              <a:rPr lang="en-US" sz="2000" dirty="0" smtClean="0">
+                <a:latin typeface="Monaco" charset="0"/>
+              </a:rPr>
+              <a:t> </a:t>
+            </a:r>
+            <a:r>
+              <a:rPr lang="en-US" sz="2000" dirty="0" smtClean="0">
+                <a:latin typeface="Monaco" charset="0"/>
+              </a:rPr>
+              <a:t>* 100 + '%</a:t>
             </a:r>
             <a:r>
               <a:rPr lang="en-US" sz="2000" dirty="0">

--- a/335.pptx
+++ b/335.pptx
@@ -248,7 +248,7 @@
               <a:pPr>
                 <a:defRPr/>
               </a:pPr>
-              <a:t>7/21/11</a:t>
+              <a:t>7/26/11</a:t>
             </a:fld>
             <a:endParaRPr lang="en-US"/>
           </a:p>
@@ -431,7 +431,7 @@
               <a:pPr>
                 <a:defRPr/>
               </a:pPr>
-              <a:t>7/21/11</a:t>
+              <a:t>7/26/11</a:t>
             </a:fld>
             <a:endParaRPr lang="en-US"/>
           </a:p>
@@ -1210,15 +1210,7 @@
           <a:p>
             <a:r>
               <a:rPr lang="en-US" baseline="0" dirty="0" smtClean="0"/>
-              <a:t>Also, remember that web views are among the most </a:t>
-            </a:r>
-            <a:r>
-              <a:rPr lang="en-US" baseline="0" dirty="0" smtClean="0"/>
-              <a:t>resource expensive </a:t>
-            </a:r>
-            <a:r>
-              <a:rPr lang="en-US" baseline="0" dirty="0" smtClean="0"/>
-              <a:t>UI components. Use them with that forethought.</a:t>
+              <a:t>Also, remember that web views are among the most resource expensive UI components. Use them with that forethought.</a:t>
             </a:r>
           </a:p>
         </p:txBody>
@@ -1399,6 +1391,38 @@
           <a:bodyPr/>
           <a:lstStyle/>
           <a:p>
+            <a:r>
+              <a:rPr lang="en-US" dirty="0" smtClean="0"/>
+              <a:t>In </a:t>
+            </a:r>
+            <a:r>
+              <a:rPr lang="en-US" dirty="0" err="1" smtClean="0"/>
+              <a:t>TiBountyHunter</a:t>
+            </a:r>
+            <a:r>
+              <a:rPr lang="en-US" dirty="0" smtClean="0"/>
+              <a:t>, point out</a:t>
+            </a:r>
+            <a:r>
+              <a:rPr lang="en-US" baseline="0" dirty="0" smtClean="0"/>
+              <a:t> the use of the scroll view in </a:t>
+            </a:r>
+            <a:r>
+              <a:rPr lang="en-US" baseline="0" dirty="0" err="1" smtClean="0"/>
+              <a:t>DetailWindow.js</a:t>
+            </a:r>
+            <a:r>
+              <a:rPr lang="en-US" baseline="0" dirty="0" smtClean="0"/>
+              <a:t> – it is used to segment detail information about the fugitive, like the fugitive description and their location on a </a:t>
+            </a:r>
+            <a:r>
+              <a:rPr lang="en-US" baseline="0" dirty="0" smtClean="0"/>
+              <a:t>map (unimplemented, but </a:t>
+            </a:r>
+            <a:r>
+              <a:rPr lang="en-US" baseline="0" smtClean="0"/>
+              <a:t>easily could be).</a:t>
+            </a:r>
             <a:endParaRPr lang="en-US" dirty="0"/>
           </a:p>
         </p:txBody>
@@ -2461,11 +2485,7 @@
             </a:r>
             <a:r>
               <a:rPr lang="en-US" baseline="0" dirty="0" smtClean="0"/>
-              <a:t> – screen-size content area with “page” </a:t>
-            </a:r>
-            <a:r>
-              <a:rPr lang="en-US" baseline="0" dirty="0" smtClean="0"/>
-              <a:t>indicator</a:t>
+              <a:t> – screen-size content area with “page” indicator</a:t>
             </a:r>
           </a:p>
           <a:p>
@@ -2900,11 +2920,7 @@
             </a:r>
             <a:r>
               <a:rPr lang="en-US" baseline="0" dirty="0" smtClean="0"/>
-              <a:t> </a:t>
-            </a:r>
-            <a:r>
-              <a:rPr lang="en-US" baseline="0" dirty="0" smtClean="0"/>
-              <a:t>is an array of standard views that are shown within the </a:t>
+              <a:t> is an array of standard views that are shown within the </a:t>
             </a:r>
             <a:r>
               <a:rPr lang="en-US" baseline="0" dirty="0" err="1" smtClean="0"/>
@@ -3503,7 +3519,7 @@
               <a:pPr>
                 <a:defRPr/>
               </a:pPr>
-              <a:t>7/21/11</a:t>
+              <a:t>7/26/11</a:t>
             </a:fld>
             <a:endParaRPr lang="en-US"/>
           </a:p>
@@ -3991,7 +4007,7 @@
               <a:pPr>
                 <a:defRPr/>
               </a:pPr>
-              <a:t>7/21/11</a:t>
+              <a:t>7/26/11</a:t>
             </a:fld>
             <a:endParaRPr lang="en-US"/>
           </a:p>
@@ -4553,7 +4569,7 @@
               <a:pPr>
                 <a:defRPr/>
               </a:pPr>
-              <a:t>7/21/11</a:t>
+              <a:t>7/26/11</a:t>
             </a:fld>
             <a:endParaRPr lang="en-US"/>
           </a:p>
@@ -5163,7 +5179,7 @@
               <a:pPr>
                 <a:defRPr/>
               </a:pPr>
-              <a:t>7/21/11</a:t>
+              <a:t>7/26/11</a:t>
             </a:fld>
             <a:endParaRPr lang="en-US"/>
           </a:p>
@@ -5285,7 +5301,7 @@
               <a:pPr>
                 <a:defRPr/>
               </a:pPr>
-              <a:t>7/21/11</a:t>
+              <a:t>7/26/11</a:t>
             </a:fld>
             <a:endParaRPr lang="en-US"/>
           </a:p>
@@ -5572,7 +5588,7 @@
               <a:pPr>
                 <a:defRPr/>
               </a:pPr>
-              <a:t>7/21/11</a:t>
+              <a:t>7/26/11</a:t>
             </a:fld>
             <a:endParaRPr lang="en-US"/>
           </a:p>
@@ -7224,13 +7240,7 @@
               <a:rPr lang="en-US" sz="2000" dirty="0" smtClean="0">
                 <a:latin typeface="Monaco" charset="0"/>
               </a:rPr>
-              <a:t>re on page </a:t>
-            </a:r>
-            <a:r>
-              <a:rPr lang="en-US" sz="2000" dirty="0" smtClean="0">
-                <a:latin typeface="Monaco" charset="0"/>
-              </a:rPr>
-              <a:t>' + </a:t>
+              <a:t>re on page ' + </a:t>
             </a:r>
             <a:r>
               <a:rPr lang="en-US" sz="2000" dirty="0" err="1" smtClean="0">
@@ -9740,13 +9750,7 @@
               <a:rPr lang="en-US" sz="2000" dirty="0" smtClean="0">
                 <a:latin typeface="Monaco" charset="0"/>
               </a:rPr>
-              <a:t> </a:t>
-            </a:r>
-            <a:r>
-              <a:rPr lang="en-US" sz="2000" dirty="0" smtClean="0">
-                <a:latin typeface="Monaco" charset="0"/>
-              </a:rPr>
-              <a:t>* 100 + '%</a:t>
+              <a:t> * 100 + '%</a:t>
             </a:r>
             <a:r>
               <a:rPr lang="en-US" sz="2000" dirty="0">

--- a/335.pptx
+++ b/335.pptx
@@ -1301,6 +1301,10 @@
           <a:bodyPr/>
           <a:lstStyle/>
           <a:p>
+            <a:r>
+              <a:rPr lang="en-US" baseline="0" dirty="0" smtClean="0"/>
+              <a:t>In this lab, you will create a scroll view containing a list of baseball players. That list will extend left/right beyond the width of the viewport. When the user taps a player's name, three images of that player will be displayed in a scrollable view located below the scroll view.</a:t>
+            </a:r>
             <a:endParaRPr lang="en-US" baseline="0" dirty="0" smtClean="0"/>
           </a:p>
         </p:txBody>
@@ -1413,11 +1417,7 @@
             </a:r>
             <a:r>
               <a:rPr lang="en-US" baseline="0" dirty="0" smtClean="0"/>
-              <a:t> – it is used to segment detail information about the fugitive, like the fugitive description and their location on a </a:t>
-            </a:r>
-            <a:r>
-              <a:rPr lang="en-US" baseline="0" dirty="0" smtClean="0"/>
-              <a:t>map (unimplemented, but </a:t>
+              <a:t> – it is used to segment detail information about the fugitive, like the fugitive description and their location on a map (unimplemented, but </a:t>
             </a:r>
             <a:r>
               <a:rPr lang="en-US" baseline="0" smtClean="0"/>

--- a/335.pptx
+++ b/335.pptx
@@ -248,7 +248,7 @@
               <a:pPr>
                 <a:defRPr/>
               </a:pPr>
-              <a:t>7/26/11</a:t>
+              <a:t>8/19/11</a:t>
             </a:fld>
             <a:endParaRPr lang="en-US"/>
           </a:p>
@@ -431,7 +431,7 @@
               <a:pPr>
                 <a:defRPr/>
               </a:pPr>
-              <a:t>7/26/11</a:t>
+              <a:t>8/19/11</a:t>
             </a:fld>
             <a:endParaRPr lang="en-US"/>
           </a:p>
@@ -1305,7 +1305,6 @@
               <a:rPr lang="en-US" baseline="0" dirty="0" smtClean="0"/>
               <a:t>In this lab, you will create a scroll view containing a list of baseball players. That list will extend left/right beyond the width of the viewport. When the user taps a player's name, three images of that player will be displayed in a scrollable view located below the scroll view.</a:t>
             </a:r>
-            <a:endParaRPr lang="en-US" baseline="0" dirty="0" smtClean="0"/>
           </a:p>
         </p:txBody>
       </p:sp>
@@ -3226,60 +3225,6 @@
           <a:chExt cx="0" cy="0"/>
         </a:xfrm>
       </p:grpSpPr>
-      <p:pic>
-        <p:nvPicPr>
-          <p:cNvPr id="2" name="Picture 8" descr="raised_paper.png"/>
-          <p:cNvPicPr>
-            <a:picLocks noChangeAspect="1"/>
-          </p:cNvPicPr>
-          <p:nvPr/>
-        </p:nvPicPr>
-        <p:blipFill>
-          <a:blip r:embed="rId3">
-            <a:extLst>
-              <a:ext uri="{28A0092B-C50C-407E-A947-70E740481C1C}">
-                <a14:useLocalDpi xmlns:a14="http://schemas.microsoft.com/office/drawing/2010/main" val="0"/>
-              </a:ext>
-            </a:extLst>
-          </a:blip>
-          <a:srcRect/>
-          <a:stretch>
-            <a:fillRect/>
-          </a:stretch>
-        </p:blipFill>
-        <p:spPr bwMode="auto">
-          <a:xfrm>
-            <a:off x="-152400" y="1400175"/>
-            <a:ext cx="9144000" cy="3101975"/>
-          </a:xfrm>
-          <a:prstGeom prst="rect">
-            <a:avLst/>
-          </a:prstGeom>
-          <a:noFill/>
-          <a:ln>
-            <a:noFill/>
-          </a:ln>
-          <a:extLst>
-            <a:ext uri="{909E8E84-426E-40dd-AFC4-6F175D3DCCD1}">
-              <a14:hiddenFill xmlns:a14="http://schemas.microsoft.com/office/drawing/2010/main">
-                <a:solidFill>
-                  <a:srgbClr val="FFFFFF"/>
-                </a:solidFill>
-              </a14:hiddenFill>
-            </a:ext>
-            <a:ext uri="{91240B29-F687-4f45-9708-019B960494DF}">
-              <a14:hiddenLine xmlns:a14="http://schemas.microsoft.com/office/drawing/2010/main" w="9525">
-                <a:solidFill>
-                  <a:srgbClr val="000000"/>
-                </a:solidFill>
-                <a:miter lim="800000"/>
-                <a:headEnd/>
-                <a:tailEnd/>
-              </a14:hiddenLine>
-            </a:ext>
-          </a:extLst>
-        </p:spPr>
-      </p:pic>
       <p:sp>
         <p:nvSpPr>
           <p:cNvPr id="3" name="TextBox 9"/>
@@ -3438,60 +3383,6 @@
           </a:p>
         </p:txBody>
       </p:sp>
-      <p:pic>
-        <p:nvPicPr>
-          <p:cNvPr id="5" name="Picture 1"/>
-          <p:cNvPicPr>
-            <a:picLocks noChangeAspect="1"/>
-          </p:cNvPicPr>
-          <p:nvPr/>
-        </p:nvPicPr>
-        <p:blipFill>
-          <a:blip r:embed="rId4">
-            <a:extLst>
-              <a:ext uri="{28A0092B-C50C-407E-A947-70E740481C1C}">
-                <a14:useLocalDpi xmlns:a14="http://schemas.microsoft.com/office/drawing/2010/main" val="0"/>
-              </a:ext>
-            </a:extLst>
-          </a:blip>
-          <a:srcRect/>
-          <a:stretch>
-            <a:fillRect/>
-          </a:stretch>
-        </p:blipFill>
-        <p:spPr bwMode="auto">
-          <a:xfrm>
-            <a:off x="3910013" y="388938"/>
-            <a:ext cx="1290637" cy="757237"/>
-          </a:xfrm>
-          <a:prstGeom prst="rect">
-            <a:avLst/>
-          </a:prstGeom>
-          <a:noFill/>
-          <a:ln>
-            <a:noFill/>
-          </a:ln>
-          <a:extLst>
-            <a:ext uri="{909E8E84-426E-40dd-AFC4-6F175D3DCCD1}">
-              <a14:hiddenFill xmlns:a14="http://schemas.microsoft.com/office/drawing/2010/main">
-                <a:solidFill>
-                  <a:srgbClr val="FFFFFF"/>
-                </a:solidFill>
-              </a14:hiddenFill>
-            </a:ext>
-            <a:ext uri="{91240B29-F687-4f45-9708-019B960494DF}">
-              <a14:hiddenLine xmlns:a14="http://schemas.microsoft.com/office/drawing/2010/main" w="9525">
-                <a:solidFill>
-                  <a:srgbClr val="000000"/>
-                </a:solidFill>
-                <a:miter lim="800000"/>
-                <a:headEnd/>
-                <a:tailEnd/>
-              </a14:hiddenLine>
-            </a:ext>
-          </a:extLst>
-        </p:spPr>
-      </p:pic>
       <p:sp>
         <p:nvSpPr>
           <p:cNvPr id="6" name="Date Placeholder 3"/>
@@ -3519,7 +3410,7 @@
               <a:pPr>
                 <a:defRPr/>
               </a:pPr>
-              <a:t>7/26/11</a:t>
+              <a:t>8/19/11</a:t>
             </a:fld>
             <a:endParaRPr lang="en-US"/>
           </a:p>
@@ -3588,60 +3479,6 @@
           </a:p>
         </p:txBody>
       </p:sp>
-      <p:pic>
-        <p:nvPicPr>
-          <p:cNvPr id="9" name="Picture 8" descr="raised_paper.png"/>
-          <p:cNvPicPr>
-            <a:picLocks noChangeAspect="1"/>
-          </p:cNvPicPr>
-          <p:nvPr userDrawn="1"/>
-        </p:nvPicPr>
-        <p:blipFill>
-          <a:blip r:embed="rId3">
-            <a:extLst>
-              <a:ext uri="{28A0092B-C50C-407E-A947-70E740481C1C}">
-                <a14:useLocalDpi xmlns:a14="http://schemas.microsoft.com/office/drawing/2010/main" val="0"/>
-              </a:ext>
-            </a:extLst>
-          </a:blip>
-          <a:srcRect/>
-          <a:stretch>
-            <a:fillRect/>
-          </a:stretch>
-        </p:blipFill>
-        <p:spPr bwMode="auto">
-          <a:xfrm>
-            <a:off x="-152400" y="1400175"/>
-            <a:ext cx="9144000" cy="3101975"/>
-          </a:xfrm>
-          <a:prstGeom prst="rect">
-            <a:avLst/>
-          </a:prstGeom>
-          <a:noFill/>
-          <a:ln>
-            <a:noFill/>
-          </a:ln>
-          <a:extLst>
-            <a:ext uri="{909E8E84-426E-40dd-AFC4-6F175D3DCCD1}">
-              <a14:hiddenFill xmlns:a14="http://schemas.microsoft.com/office/drawing/2010/main">
-                <a:solidFill>
-                  <a:srgbClr val="FFFFFF"/>
-                </a:solidFill>
-              </a14:hiddenFill>
-            </a:ext>
-            <a:ext uri="{91240B29-F687-4f45-9708-019B960494DF}">
-              <a14:hiddenLine xmlns:a14="http://schemas.microsoft.com/office/drawing/2010/main" w="9525">
-                <a:solidFill>
-                  <a:srgbClr val="000000"/>
-                </a:solidFill>
-                <a:miter lim="800000"/>
-                <a:headEnd/>
-                <a:tailEnd/>
-              </a14:hiddenLine>
-            </a:ext>
-          </a:extLst>
-        </p:spPr>
-      </p:pic>
       <p:sp>
         <p:nvSpPr>
           <p:cNvPr id="10" name="TextBox 9"/>
@@ -3800,60 +3637,6 @@
           </a:p>
         </p:txBody>
       </p:sp>
-      <p:pic>
-        <p:nvPicPr>
-          <p:cNvPr id="11" name="Picture 1"/>
-          <p:cNvPicPr>
-            <a:picLocks noChangeAspect="1"/>
-          </p:cNvPicPr>
-          <p:nvPr userDrawn="1"/>
-        </p:nvPicPr>
-        <p:blipFill>
-          <a:blip r:embed="rId4">
-            <a:extLst>
-              <a:ext uri="{28A0092B-C50C-407E-A947-70E740481C1C}">
-                <a14:useLocalDpi xmlns:a14="http://schemas.microsoft.com/office/drawing/2010/main" val="0"/>
-              </a:ext>
-            </a:extLst>
-          </a:blip>
-          <a:srcRect/>
-          <a:stretch>
-            <a:fillRect/>
-          </a:stretch>
-        </p:blipFill>
-        <p:spPr bwMode="auto">
-          <a:xfrm>
-            <a:off x="3910013" y="388938"/>
-            <a:ext cx="1290637" cy="757237"/>
-          </a:xfrm>
-          <a:prstGeom prst="rect">
-            <a:avLst/>
-          </a:prstGeom>
-          <a:noFill/>
-          <a:ln>
-            <a:noFill/>
-          </a:ln>
-          <a:extLst>
-            <a:ext uri="{909E8E84-426E-40dd-AFC4-6F175D3DCCD1}">
-              <a14:hiddenFill xmlns:a14="http://schemas.microsoft.com/office/drawing/2010/main">
-                <a:solidFill>
-                  <a:srgbClr val="FFFFFF"/>
-                </a:solidFill>
-              </a14:hiddenFill>
-            </a:ext>
-            <a:ext uri="{91240B29-F687-4f45-9708-019B960494DF}">
-              <a14:hiddenLine xmlns:a14="http://schemas.microsoft.com/office/drawing/2010/main" w="9525">
-                <a:solidFill>
-                  <a:srgbClr val="000000"/>
-                </a:solidFill>
-                <a:miter lim="800000"/>
-                <a:headEnd/>
-                <a:tailEnd/>
-              </a14:hiddenLine>
-            </a:ext>
-          </a:extLst>
-        </p:spPr>
-      </p:pic>
     </p:spTree>
     <p:extLst>
       <p:ext uri="{BB962C8B-B14F-4D97-AF65-F5344CB8AC3E}">
@@ -4007,7 +3790,7 @@
               <a:pPr>
                 <a:defRPr/>
               </a:pPr>
-              <a:t>7/26/11</a:t>
+              <a:t>8/19/11</a:t>
             </a:fld>
             <a:endParaRPr lang="en-US"/>
           </a:p>
@@ -4569,7 +4352,7 @@
               <a:pPr>
                 <a:defRPr/>
               </a:pPr>
-              <a:t>7/26/11</a:t>
+              <a:t>8/19/11</a:t>
             </a:fld>
             <a:endParaRPr lang="en-US"/>
           </a:p>
@@ -5179,7 +4962,7 @@
               <a:pPr>
                 <a:defRPr/>
               </a:pPr>
-              <a:t>7/26/11</a:t>
+              <a:t>8/19/11</a:t>
             </a:fld>
             <a:endParaRPr lang="en-US"/>
           </a:p>
@@ -5301,7 +5084,7 @@
               <a:pPr>
                 <a:defRPr/>
               </a:pPr>
-              <a:t>7/26/11</a:t>
+              <a:t>8/19/11</a:t>
             </a:fld>
             <a:endParaRPr lang="en-US"/>
           </a:p>
@@ -5588,7 +5371,7 @@
               <a:pPr>
                 <a:defRPr/>
               </a:pPr>
-              <a:t>7/26/11</a:t>
+              <a:t>8/19/11</a:t>
             </a:fld>
             <a:endParaRPr lang="en-US"/>
           </a:p>
@@ -6600,6 +6383,129 @@
           <a:chExt cx="0" cy="0"/>
         </a:xfrm>
       </p:grpSpPr>
+      <p:grpSp>
+        <p:nvGrpSpPr>
+          <p:cNvPr id="5" name="Group 4"/>
+          <p:cNvGrpSpPr/>
+          <p:nvPr/>
+        </p:nvGrpSpPr>
+        <p:grpSpPr>
+          <a:xfrm>
+            <a:off x="-40106" y="1640564"/>
+            <a:ext cx="8915400" cy="3352800"/>
+            <a:chOff x="-40106" y="1640564"/>
+            <a:chExt cx="8915400" cy="3352800"/>
+          </a:xfrm>
+        </p:grpSpPr>
+        <p:pic>
+          <p:nvPicPr>
+            <p:cNvPr id="6" name="Picture 8" descr="raised_paper.png"/>
+            <p:cNvPicPr>
+              <a:picLocks noChangeAspect="1"/>
+            </p:cNvPicPr>
+            <p:nvPr/>
+          </p:nvPicPr>
+          <p:blipFill>
+            <a:blip r:embed="rId4">
+              <a:extLst>
+                <a:ext uri="{28A0092B-C50C-407E-A947-70E740481C1C}">
+                  <a14:useLocalDpi xmlns:a14="http://schemas.microsoft.com/office/drawing/2010/main" val="0"/>
+                </a:ext>
+              </a:extLst>
+            </a:blip>
+            <a:srcRect/>
+            <a:stretch>
+              <a:fillRect/>
+            </a:stretch>
+          </p:blipFill>
+          <p:spPr bwMode="auto">
+            <a:xfrm>
+              <a:off x="-40106" y="1640564"/>
+              <a:ext cx="8915400" cy="3352800"/>
+            </a:xfrm>
+            <a:prstGeom prst="rect">
+              <a:avLst/>
+            </a:prstGeom>
+            <a:noFill/>
+            <a:ln>
+              <a:noFill/>
+            </a:ln>
+            <a:extLst>
+              <a:ext uri="{909E8E84-426E-40dd-AFC4-6F175D3DCCD1}">
+                <a14:hiddenFill xmlns:a14="http://schemas.microsoft.com/office/drawing/2010/main">
+                  <a:solidFill>
+                    <a:srgbClr val="FFFFFF"/>
+                  </a:solidFill>
+                </a14:hiddenFill>
+              </a:ext>
+              <a:ext uri="{91240B29-F687-4f45-9708-019B960494DF}">
+                <a14:hiddenLine xmlns:a14="http://schemas.microsoft.com/office/drawing/2010/main" w="9525">
+                  <a:solidFill>
+                    <a:srgbClr val="000000"/>
+                  </a:solidFill>
+                  <a:miter lim="800000"/>
+                  <a:headEnd/>
+                  <a:tailEnd/>
+                </a14:hiddenLine>
+              </a:ext>
+            </a:extLst>
+          </p:spPr>
+        </p:pic>
+        <p:pic>
+          <p:nvPicPr>
+            <p:cNvPr id="7" name="Picture 8"/>
+            <p:cNvPicPr>
+              <a:picLocks noChangeAspect="1"/>
+            </p:cNvPicPr>
+            <p:nvPr/>
+          </p:nvPicPr>
+          <p:blipFill>
+            <a:blip r:embed="rId5">
+              <a:extLst>
+                <a:ext uri="{28A0092B-C50C-407E-A947-70E740481C1C}">
+                  <a14:useLocalDpi xmlns:a14="http://schemas.microsoft.com/office/drawing/2010/main" val="0"/>
+                </a:ext>
+              </a:extLst>
+            </a:blip>
+            <a:srcRect/>
+            <a:stretch>
+              <a:fillRect/>
+            </a:stretch>
+          </p:blipFill>
+          <p:spPr bwMode="auto">
+            <a:xfrm>
+              <a:off x="3923882" y="1792964"/>
+              <a:ext cx="1230312" cy="685800"/>
+            </a:xfrm>
+            <a:prstGeom prst="rect">
+              <a:avLst/>
+            </a:prstGeom>
+            <a:noFill/>
+            <a:ln>
+              <a:noFill/>
+            </a:ln>
+            <a:extLst>
+              <a:ext uri="{909E8E84-426E-40dd-AFC4-6F175D3DCCD1}">
+                <a14:hiddenFill xmlns:a14="http://schemas.microsoft.com/office/drawing/2010/main">
+                  <a:solidFill>
+                    <a:srgbClr val="FFFFFF"/>
+                  </a:solidFill>
+                </a14:hiddenFill>
+              </a:ext>
+              <a:ext uri="{91240B29-F687-4f45-9708-019B960494DF}">
+                <a14:hiddenLine xmlns:a14="http://schemas.microsoft.com/office/drawing/2010/main" w="9525">
+                  <a:solidFill>
+                    <a:srgbClr val="000000"/>
+                  </a:solidFill>
+                  <a:miter lim="800000"/>
+                  <a:headEnd/>
+                  <a:tailEnd/>
+                </a14:hiddenLine>
+              </a:ext>
+            </a:extLst>
+          </p:spPr>
+        </p:pic>
+      </p:grpSp>
       <p:sp>
         <p:nvSpPr>
           <p:cNvPr id="17410" name="TextBox 11"/>
@@ -6758,60 +6664,6 @@
           </a:p>
         </p:txBody>
       </p:sp>
-      <p:pic>
-        <p:nvPicPr>
-          <p:cNvPr id="17412" name="Picture 1"/>
-          <p:cNvPicPr>
-            <a:picLocks noChangeAspect="1"/>
-          </p:cNvPicPr>
-          <p:nvPr/>
-        </p:nvPicPr>
-        <p:blipFill>
-          <a:blip r:embed="rId4">
-            <a:extLst>
-              <a:ext uri="{28A0092B-C50C-407E-A947-70E740481C1C}">
-                <a14:useLocalDpi xmlns:a14="http://schemas.microsoft.com/office/drawing/2010/main" val="0"/>
-              </a:ext>
-            </a:extLst>
-          </a:blip>
-          <a:srcRect/>
-          <a:stretch>
-            <a:fillRect/>
-          </a:stretch>
-        </p:blipFill>
-        <p:spPr bwMode="auto">
-          <a:xfrm>
-            <a:off x="3910013" y="388938"/>
-            <a:ext cx="1290637" cy="757237"/>
-          </a:xfrm>
-          <a:prstGeom prst="rect">
-            <a:avLst/>
-          </a:prstGeom>
-          <a:noFill/>
-          <a:ln>
-            <a:noFill/>
-          </a:ln>
-          <a:extLst>
-            <a:ext uri="{909E8E84-426E-40dd-AFC4-6F175D3DCCD1}">
-              <a14:hiddenFill xmlns:a14="http://schemas.microsoft.com/office/drawing/2010/main">
-                <a:solidFill>
-                  <a:srgbClr val="FFFFFF"/>
-                </a:solidFill>
-              </a14:hiddenFill>
-            </a:ext>
-            <a:ext uri="{91240B29-F687-4f45-9708-019B960494DF}">
-              <a14:hiddenLine xmlns:a14="http://schemas.microsoft.com/office/drawing/2010/main" w="9525">
-                <a:solidFill>
-                  <a:srgbClr val="000000"/>
-                </a:solidFill>
-                <a:miter lim="800000"/>
-                <a:headEnd/>
-                <a:tailEnd/>
-              </a14:hiddenLine>
-            </a:ext>
-          </a:extLst>
-        </p:spPr>
-      </p:pic>
       <p:sp>
         <p:nvSpPr>
           <p:cNvPr id="17413" name="Title 11"/>
@@ -6822,7 +6674,7 @@
         </p:nvSpPr>
         <p:spPr bwMode="auto">
           <a:xfrm>
-            <a:off x="762000" y="2500218"/>
+            <a:off x="762000" y="2657177"/>
             <a:ext cx="7713663" cy="949325"/>
           </a:xfrm>
           <a:prstGeom prst="rect">
@@ -6965,7 +6817,7 @@
           <a:p>
             <a:pPr algn="ctr" eaLnBrk="1" hangingPunct="1"/>
             <a:r>
-              <a:rPr lang="en-US" sz="4000" b="1" dirty="0" smtClean="0">
+              <a:rPr lang="en-US" sz="4000" b="1" i="1" dirty="0" smtClean="0">
                 <a:solidFill>
                   <a:srgbClr val="122956"/>
                 </a:solidFill>
@@ -6973,7 +6825,221 @@
               </a:rPr>
               <a:t>API Deep Dive: Scroll Views</a:t>
             </a:r>
-            <a:endParaRPr lang="en-US" sz="4000" b="1" dirty="0">
+            <a:br>
+              <a:rPr lang="en-US" sz="4000" b="1" i="1" dirty="0" smtClean="0">
+                <a:solidFill>
+                  <a:srgbClr val="122956"/>
+                </a:solidFill>
+                <a:cs typeface="Trebuchet MS" charset="0"/>
+              </a:rPr>
+            </a:br>
+            <a:r>
+              <a:rPr lang="en-US" sz="2800" i="1" dirty="0">
+                <a:solidFill>
+                  <a:srgbClr val="122956"/>
+                </a:solidFill>
+                <a:effectLst>
+                  <a:innerShdw blurRad="63500" dist="50800" dir="13500000">
+                    <a:prstClr val="black">
+                      <a:alpha val="50000"/>
+                    </a:prstClr>
+                  </a:innerShdw>
+                </a:effectLst>
+                <a:latin typeface="Trebuchet MS"/>
+                <a:ea typeface="Hiragino Sans GB W6" charset="0"/>
+              </a:rPr>
+              <a:t>Advanced Titanium Mobile Development</a:t>
+            </a:r>
+            <a:endParaRPr lang="en-US" sz="4000" b="1" i="1" dirty="0">
+              <a:solidFill>
+                <a:srgbClr val="122956"/>
+              </a:solidFill>
+              <a:cs typeface="Trebuchet MS" charset="0"/>
+            </a:endParaRPr>
+          </a:p>
+        </p:txBody>
+      </p:sp>
+      <p:sp>
+        <p:nvSpPr>
+          <p:cNvPr id="8" name="Slide Number Placeholder 5"/>
+          <p:cNvSpPr>
+            <a:spLocks noGrp="1"/>
+          </p:cNvSpPr>
+          <p:nvPr>
+            <p:ph type="sldNum" sz="quarter" idx="12"/>
+          </p:nvPr>
+        </p:nvSpPr>
+        <p:spPr bwMode="auto">
+          <a:xfrm>
+            <a:off x="203200" y="6400800"/>
+            <a:ext cx="2133600" cy="365125"/>
+          </a:xfrm>
+          <a:noFill/>
+          <a:extLst>
+            <a:ext uri="{909E8E84-426E-40dd-AFC4-6F175D3DCCD1}">
+              <a14:hiddenFill xmlns:a14="http://schemas.microsoft.com/office/drawing/2010/main">
+                <a:solidFill>
+                  <a:srgbClr val="FFFFFF"/>
+                </a:solidFill>
+              </a14:hiddenFill>
+            </a:ext>
+            <a:ext uri="{91240B29-F687-4f45-9708-019B960494DF}">
+              <a14:hiddenLine xmlns:a14="http://schemas.microsoft.com/office/drawing/2010/main" w="9525">
+                <a:solidFill>
+                  <a:srgbClr val="000000"/>
+                </a:solidFill>
+                <a:miter lim="800000"/>
+                <a:headEnd/>
+                <a:tailEnd/>
+              </a14:hiddenLine>
+            </a:ext>
+          </a:extLst>
+        </p:spPr>
+        <p:txBody>
+          <a:bodyPr vert="horz" wrap="square" lIns="91440" tIns="45720" rIns="91440" bIns="45720" numCol="1" anchor="ctr" anchorCtr="0" compatLnSpc="1">
+            <a:prstTxWarp prst="textNoShape">
+              <a:avLst/>
+            </a:prstTxWarp>
+          </a:bodyPr>
+          <a:lstStyle>
+            <a:lvl1pPr eaLnBrk="0" hangingPunct="0">
+              <a:defRPr sz="2400">
+                <a:solidFill>
+                  <a:schemeClr val="tx1"/>
+                </a:solidFill>
+                <a:latin typeface="Trebuchet MS" charset="0"/>
+                <a:ea typeface="ＭＳ Ｐゴシック" charset="0"/>
+                <a:cs typeface="ＭＳ Ｐゴシック" charset="0"/>
+              </a:defRPr>
+            </a:lvl1pPr>
+            <a:lvl2pPr marL="742950" indent="-285750" eaLnBrk="0" hangingPunct="0">
+              <a:defRPr sz="2400">
+                <a:solidFill>
+                  <a:schemeClr val="tx1"/>
+                </a:solidFill>
+                <a:latin typeface="Trebuchet MS" charset="0"/>
+                <a:ea typeface="ＭＳ Ｐゴシック" charset="0"/>
+              </a:defRPr>
+            </a:lvl2pPr>
+            <a:lvl3pPr marL="1143000" indent="-228600" eaLnBrk="0" hangingPunct="0">
+              <a:defRPr sz="2400">
+                <a:solidFill>
+                  <a:schemeClr val="tx1"/>
+                </a:solidFill>
+                <a:latin typeface="Trebuchet MS" charset="0"/>
+                <a:ea typeface="ＭＳ Ｐゴシック" charset="0"/>
+              </a:defRPr>
+            </a:lvl3pPr>
+            <a:lvl4pPr marL="1600200" indent="-228600" eaLnBrk="0" hangingPunct="0">
+              <a:defRPr sz="2400">
+                <a:solidFill>
+                  <a:schemeClr val="tx1"/>
+                </a:solidFill>
+                <a:latin typeface="Trebuchet MS" charset="0"/>
+                <a:ea typeface="ＭＳ Ｐゴシック" charset="0"/>
+              </a:defRPr>
+            </a:lvl4pPr>
+            <a:lvl5pPr marL="2057400" indent="-228600" eaLnBrk="0" hangingPunct="0">
+              <a:defRPr sz="2400">
+                <a:solidFill>
+                  <a:schemeClr val="tx1"/>
+                </a:solidFill>
+                <a:latin typeface="Trebuchet MS" charset="0"/>
+                <a:ea typeface="ＭＳ Ｐゴシック" charset="0"/>
+              </a:defRPr>
+            </a:lvl5pPr>
+            <a:lvl6pPr marL="2514600" indent="-228600" eaLnBrk="0" fontAlgn="base" hangingPunct="0">
+              <a:spcBef>
+                <a:spcPct val="0"/>
+              </a:spcBef>
+              <a:spcAft>
+                <a:spcPct val="0"/>
+              </a:spcAft>
+              <a:defRPr sz="2400">
+                <a:solidFill>
+                  <a:schemeClr val="tx1"/>
+                </a:solidFill>
+                <a:latin typeface="Trebuchet MS" charset="0"/>
+                <a:ea typeface="ＭＳ Ｐゴシック" charset="0"/>
+              </a:defRPr>
+            </a:lvl6pPr>
+            <a:lvl7pPr marL="2971800" indent="-228600" eaLnBrk="0" fontAlgn="base" hangingPunct="0">
+              <a:spcBef>
+                <a:spcPct val="0"/>
+              </a:spcBef>
+              <a:spcAft>
+                <a:spcPct val="0"/>
+              </a:spcAft>
+              <a:defRPr sz="2400">
+                <a:solidFill>
+                  <a:schemeClr val="tx1"/>
+                </a:solidFill>
+                <a:latin typeface="Trebuchet MS" charset="0"/>
+                <a:ea typeface="ＭＳ Ｐゴシック" charset="0"/>
+              </a:defRPr>
+            </a:lvl7pPr>
+            <a:lvl8pPr marL="3429000" indent="-228600" eaLnBrk="0" fontAlgn="base" hangingPunct="0">
+              <a:spcBef>
+                <a:spcPct val="0"/>
+              </a:spcBef>
+              <a:spcAft>
+                <a:spcPct val="0"/>
+              </a:spcAft>
+              <a:defRPr sz="2400">
+                <a:solidFill>
+                  <a:schemeClr val="tx1"/>
+                </a:solidFill>
+                <a:latin typeface="Trebuchet MS" charset="0"/>
+                <a:ea typeface="ＭＳ Ｐゴシック" charset="0"/>
+              </a:defRPr>
+            </a:lvl8pPr>
+            <a:lvl9pPr marL="3886200" indent="-228600" eaLnBrk="0" fontAlgn="base" hangingPunct="0">
+              <a:spcBef>
+                <a:spcPct val="0"/>
+              </a:spcBef>
+              <a:spcAft>
+                <a:spcPct val="0"/>
+              </a:spcAft>
+              <a:defRPr sz="2400">
+                <a:solidFill>
+                  <a:schemeClr val="tx1"/>
+                </a:solidFill>
+                <a:latin typeface="Trebuchet MS" charset="0"/>
+                <a:ea typeface="ＭＳ Ｐゴシック" charset="0"/>
+              </a:defRPr>
+            </a:lvl9pPr>
+          </a:lstStyle>
+          <a:p>
+            <a:pPr algn="l" eaLnBrk="1" hangingPunct="1"/>
+            <a:r>
+              <a:rPr lang="en-US" sz="1200" b="1" dirty="0">
+                <a:solidFill>
+                  <a:srgbClr val="122956"/>
+                </a:solidFill>
+                <a:cs typeface="Trebuchet MS" charset="0"/>
+              </a:rPr>
+              <a:t>7</a:t>
+            </a:r>
+            <a:r>
+              <a:rPr lang="en-US" sz="1200" b="1" dirty="0" smtClean="0">
+                <a:solidFill>
+                  <a:srgbClr val="122956"/>
+                </a:solidFill>
+                <a:cs typeface="Trebuchet MS" charset="0"/>
+              </a:rPr>
+              <a:t>-</a:t>
+            </a:r>
+            <a:fld id="{31B56995-E14C-B64F-86C9-12D6DB74A41E}" type="slidenum">
+              <a:rPr lang="en-US" sz="1200" b="1">
+                <a:solidFill>
+                  <a:srgbClr val="122956"/>
+                </a:solidFill>
+                <a:cs typeface="Trebuchet MS" charset="0"/>
+              </a:rPr>
+              <a:pPr algn="l" eaLnBrk="1" hangingPunct="1"/>
+              <a:t>1</a:t>
+            </a:fld>
+            <a:endParaRPr lang="en-US" sz="1200" b="1" dirty="0">
               <a:solidFill>
                 <a:srgbClr val="122956"/>
               </a:solidFill>
@@ -7035,7 +7101,7 @@
             </a:r>
             <a:r>
               <a:rPr lang="en-US" dirty="0" smtClean="0"/>
-              <a:t> – Platform Differences</a:t>
+              <a:t> – Platform Difference</a:t>
             </a:r>
             <a:endParaRPr lang="en-US" dirty="0"/>
           </a:p>
@@ -7077,6 +7143,195 @@
               <a:t>prerender</a:t>
             </a:r>
             <a:endParaRPr lang="en-US" dirty="0"/>
+          </a:p>
+        </p:txBody>
+      </p:sp>
+      <p:sp>
+        <p:nvSpPr>
+          <p:cNvPr id="4" name="Slide Number Placeholder 5"/>
+          <p:cNvSpPr>
+            <a:spLocks noGrp="1"/>
+          </p:cNvSpPr>
+          <p:nvPr>
+            <p:ph type="sldNum" sz="quarter" idx="12"/>
+          </p:nvPr>
+        </p:nvSpPr>
+        <p:spPr bwMode="auto">
+          <a:xfrm>
+            <a:off x="203200" y="6400800"/>
+            <a:ext cx="2133600" cy="365125"/>
+          </a:xfrm>
+          <a:noFill/>
+          <a:extLst>
+            <a:ext uri="{909E8E84-426E-40dd-AFC4-6F175D3DCCD1}">
+              <a14:hiddenFill xmlns:a14="http://schemas.microsoft.com/office/drawing/2010/main">
+                <a:solidFill>
+                  <a:srgbClr val="FFFFFF"/>
+                </a:solidFill>
+              </a14:hiddenFill>
+            </a:ext>
+            <a:ext uri="{91240B29-F687-4f45-9708-019B960494DF}">
+              <a14:hiddenLine xmlns:a14="http://schemas.microsoft.com/office/drawing/2010/main" w="9525">
+                <a:solidFill>
+                  <a:srgbClr val="000000"/>
+                </a:solidFill>
+                <a:miter lim="800000"/>
+                <a:headEnd/>
+                <a:tailEnd/>
+              </a14:hiddenLine>
+            </a:ext>
+          </a:extLst>
+        </p:spPr>
+        <p:txBody>
+          <a:bodyPr vert="horz" wrap="square" lIns="91440" tIns="45720" rIns="91440" bIns="45720" numCol="1" anchor="ctr" anchorCtr="0" compatLnSpc="1">
+            <a:prstTxWarp prst="textNoShape">
+              <a:avLst/>
+            </a:prstTxWarp>
+          </a:bodyPr>
+          <a:lstStyle>
+            <a:lvl1pPr eaLnBrk="0" hangingPunct="0">
+              <a:defRPr sz="2400">
+                <a:solidFill>
+                  <a:schemeClr val="tx1"/>
+                </a:solidFill>
+                <a:latin typeface="Trebuchet MS" charset="0"/>
+                <a:ea typeface="ＭＳ Ｐゴシック" charset="0"/>
+                <a:cs typeface="ＭＳ Ｐゴシック" charset="0"/>
+              </a:defRPr>
+            </a:lvl1pPr>
+            <a:lvl2pPr marL="742950" indent="-285750" eaLnBrk="0" hangingPunct="0">
+              <a:defRPr sz="2400">
+                <a:solidFill>
+                  <a:schemeClr val="tx1"/>
+                </a:solidFill>
+                <a:latin typeface="Trebuchet MS" charset="0"/>
+                <a:ea typeface="ＭＳ Ｐゴシック" charset="0"/>
+              </a:defRPr>
+            </a:lvl2pPr>
+            <a:lvl3pPr marL="1143000" indent="-228600" eaLnBrk="0" hangingPunct="0">
+              <a:defRPr sz="2400">
+                <a:solidFill>
+                  <a:schemeClr val="tx1"/>
+                </a:solidFill>
+                <a:latin typeface="Trebuchet MS" charset="0"/>
+                <a:ea typeface="ＭＳ Ｐゴシック" charset="0"/>
+              </a:defRPr>
+            </a:lvl3pPr>
+            <a:lvl4pPr marL="1600200" indent="-228600" eaLnBrk="0" hangingPunct="0">
+              <a:defRPr sz="2400">
+                <a:solidFill>
+                  <a:schemeClr val="tx1"/>
+                </a:solidFill>
+                <a:latin typeface="Trebuchet MS" charset="0"/>
+                <a:ea typeface="ＭＳ Ｐゴシック" charset="0"/>
+              </a:defRPr>
+            </a:lvl4pPr>
+            <a:lvl5pPr marL="2057400" indent="-228600" eaLnBrk="0" hangingPunct="0">
+              <a:defRPr sz="2400">
+                <a:solidFill>
+                  <a:schemeClr val="tx1"/>
+                </a:solidFill>
+                <a:latin typeface="Trebuchet MS" charset="0"/>
+                <a:ea typeface="ＭＳ Ｐゴシック" charset="0"/>
+              </a:defRPr>
+            </a:lvl5pPr>
+            <a:lvl6pPr marL="2514600" indent="-228600" eaLnBrk="0" fontAlgn="base" hangingPunct="0">
+              <a:spcBef>
+                <a:spcPct val="0"/>
+              </a:spcBef>
+              <a:spcAft>
+                <a:spcPct val="0"/>
+              </a:spcAft>
+              <a:defRPr sz="2400">
+                <a:solidFill>
+                  <a:schemeClr val="tx1"/>
+                </a:solidFill>
+                <a:latin typeface="Trebuchet MS" charset="0"/>
+                <a:ea typeface="ＭＳ Ｐゴシック" charset="0"/>
+              </a:defRPr>
+            </a:lvl6pPr>
+            <a:lvl7pPr marL="2971800" indent="-228600" eaLnBrk="0" fontAlgn="base" hangingPunct="0">
+              <a:spcBef>
+                <a:spcPct val="0"/>
+              </a:spcBef>
+              <a:spcAft>
+                <a:spcPct val="0"/>
+              </a:spcAft>
+              <a:defRPr sz="2400">
+                <a:solidFill>
+                  <a:schemeClr val="tx1"/>
+                </a:solidFill>
+                <a:latin typeface="Trebuchet MS" charset="0"/>
+                <a:ea typeface="ＭＳ Ｐゴシック" charset="0"/>
+              </a:defRPr>
+            </a:lvl7pPr>
+            <a:lvl8pPr marL="3429000" indent="-228600" eaLnBrk="0" fontAlgn="base" hangingPunct="0">
+              <a:spcBef>
+                <a:spcPct val="0"/>
+              </a:spcBef>
+              <a:spcAft>
+                <a:spcPct val="0"/>
+              </a:spcAft>
+              <a:defRPr sz="2400">
+                <a:solidFill>
+                  <a:schemeClr val="tx1"/>
+                </a:solidFill>
+                <a:latin typeface="Trebuchet MS" charset="0"/>
+                <a:ea typeface="ＭＳ Ｐゴシック" charset="0"/>
+              </a:defRPr>
+            </a:lvl8pPr>
+            <a:lvl9pPr marL="3886200" indent="-228600" eaLnBrk="0" fontAlgn="base" hangingPunct="0">
+              <a:spcBef>
+                <a:spcPct val="0"/>
+              </a:spcBef>
+              <a:spcAft>
+                <a:spcPct val="0"/>
+              </a:spcAft>
+              <a:defRPr sz="2400">
+                <a:solidFill>
+                  <a:schemeClr val="tx1"/>
+                </a:solidFill>
+                <a:latin typeface="Trebuchet MS" charset="0"/>
+                <a:ea typeface="ＭＳ Ｐゴシック" charset="0"/>
+              </a:defRPr>
+            </a:lvl9pPr>
+          </a:lstStyle>
+          <a:p>
+            <a:pPr algn="l" eaLnBrk="1" hangingPunct="1"/>
+            <a:r>
+              <a:rPr lang="en-US" sz="1200" b="1" dirty="0">
+                <a:solidFill>
+                  <a:srgbClr val="122956"/>
+                </a:solidFill>
+                <a:cs typeface="Trebuchet MS" charset="0"/>
+              </a:rPr>
+              <a:t>7</a:t>
+            </a:r>
+            <a:r>
+              <a:rPr lang="en-US" sz="1200" b="1" dirty="0" smtClean="0">
+                <a:solidFill>
+                  <a:srgbClr val="122956"/>
+                </a:solidFill>
+                <a:cs typeface="Trebuchet MS" charset="0"/>
+              </a:rPr>
+              <a:t>-</a:t>
+            </a:r>
+            <a:fld id="{31B56995-E14C-B64F-86C9-12D6DB74A41E}" type="slidenum">
+              <a:rPr lang="en-US" sz="1200" b="1">
+                <a:solidFill>
+                  <a:srgbClr val="122956"/>
+                </a:solidFill>
+                <a:cs typeface="Trebuchet MS" charset="0"/>
+              </a:rPr>
+              <a:pPr algn="l" eaLnBrk="1" hangingPunct="1"/>
+              <a:t>10</a:t>
+            </a:fld>
+            <a:endParaRPr lang="en-US" sz="1200" b="1" dirty="0">
+              <a:solidFill>
+                <a:srgbClr val="122956"/>
+              </a:solidFill>
+              <a:cs typeface="Trebuchet MS" charset="0"/>
+            </a:endParaRPr>
           </a:p>
         </p:txBody>
       </p:sp>
@@ -7849,6 +8104,195 @@
           </a:p>
         </p:txBody>
       </p:sp>
+      <p:sp>
+        <p:nvSpPr>
+          <p:cNvPr id="6" name="Slide Number Placeholder 5"/>
+          <p:cNvSpPr>
+            <a:spLocks noGrp="1"/>
+          </p:cNvSpPr>
+          <p:nvPr>
+            <p:ph type="sldNum" sz="quarter" idx="12"/>
+          </p:nvPr>
+        </p:nvSpPr>
+        <p:spPr bwMode="auto">
+          <a:xfrm>
+            <a:off x="203200" y="6400800"/>
+            <a:ext cx="2133600" cy="365125"/>
+          </a:xfrm>
+          <a:noFill/>
+          <a:extLst>
+            <a:ext uri="{909E8E84-426E-40dd-AFC4-6F175D3DCCD1}">
+              <a14:hiddenFill xmlns:a14="http://schemas.microsoft.com/office/drawing/2010/main">
+                <a:solidFill>
+                  <a:srgbClr val="FFFFFF"/>
+                </a:solidFill>
+              </a14:hiddenFill>
+            </a:ext>
+            <a:ext uri="{91240B29-F687-4f45-9708-019B960494DF}">
+              <a14:hiddenLine xmlns:a14="http://schemas.microsoft.com/office/drawing/2010/main" w="9525">
+                <a:solidFill>
+                  <a:srgbClr val="000000"/>
+                </a:solidFill>
+                <a:miter lim="800000"/>
+                <a:headEnd/>
+                <a:tailEnd/>
+              </a14:hiddenLine>
+            </a:ext>
+          </a:extLst>
+        </p:spPr>
+        <p:txBody>
+          <a:bodyPr vert="horz" wrap="square" lIns="91440" tIns="45720" rIns="91440" bIns="45720" numCol="1" anchor="ctr" anchorCtr="0" compatLnSpc="1">
+            <a:prstTxWarp prst="textNoShape">
+              <a:avLst/>
+            </a:prstTxWarp>
+          </a:bodyPr>
+          <a:lstStyle>
+            <a:lvl1pPr eaLnBrk="0" hangingPunct="0">
+              <a:defRPr sz="2400">
+                <a:solidFill>
+                  <a:schemeClr val="tx1"/>
+                </a:solidFill>
+                <a:latin typeface="Trebuchet MS" charset="0"/>
+                <a:ea typeface="ＭＳ Ｐゴシック" charset="0"/>
+                <a:cs typeface="ＭＳ Ｐゴシック" charset="0"/>
+              </a:defRPr>
+            </a:lvl1pPr>
+            <a:lvl2pPr marL="742950" indent="-285750" eaLnBrk="0" hangingPunct="0">
+              <a:defRPr sz="2400">
+                <a:solidFill>
+                  <a:schemeClr val="tx1"/>
+                </a:solidFill>
+                <a:latin typeface="Trebuchet MS" charset="0"/>
+                <a:ea typeface="ＭＳ Ｐゴシック" charset="0"/>
+              </a:defRPr>
+            </a:lvl2pPr>
+            <a:lvl3pPr marL="1143000" indent="-228600" eaLnBrk="0" hangingPunct="0">
+              <a:defRPr sz="2400">
+                <a:solidFill>
+                  <a:schemeClr val="tx1"/>
+                </a:solidFill>
+                <a:latin typeface="Trebuchet MS" charset="0"/>
+                <a:ea typeface="ＭＳ Ｐゴシック" charset="0"/>
+              </a:defRPr>
+            </a:lvl3pPr>
+            <a:lvl4pPr marL="1600200" indent="-228600" eaLnBrk="0" hangingPunct="0">
+              <a:defRPr sz="2400">
+                <a:solidFill>
+                  <a:schemeClr val="tx1"/>
+                </a:solidFill>
+                <a:latin typeface="Trebuchet MS" charset="0"/>
+                <a:ea typeface="ＭＳ Ｐゴシック" charset="0"/>
+              </a:defRPr>
+            </a:lvl4pPr>
+            <a:lvl5pPr marL="2057400" indent="-228600" eaLnBrk="0" hangingPunct="0">
+              <a:defRPr sz="2400">
+                <a:solidFill>
+                  <a:schemeClr val="tx1"/>
+                </a:solidFill>
+                <a:latin typeface="Trebuchet MS" charset="0"/>
+                <a:ea typeface="ＭＳ Ｐゴシック" charset="0"/>
+              </a:defRPr>
+            </a:lvl5pPr>
+            <a:lvl6pPr marL="2514600" indent="-228600" eaLnBrk="0" fontAlgn="base" hangingPunct="0">
+              <a:spcBef>
+                <a:spcPct val="0"/>
+              </a:spcBef>
+              <a:spcAft>
+                <a:spcPct val="0"/>
+              </a:spcAft>
+              <a:defRPr sz="2400">
+                <a:solidFill>
+                  <a:schemeClr val="tx1"/>
+                </a:solidFill>
+                <a:latin typeface="Trebuchet MS" charset="0"/>
+                <a:ea typeface="ＭＳ Ｐゴシック" charset="0"/>
+              </a:defRPr>
+            </a:lvl6pPr>
+            <a:lvl7pPr marL="2971800" indent="-228600" eaLnBrk="0" fontAlgn="base" hangingPunct="0">
+              <a:spcBef>
+                <a:spcPct val="0"/>
+              </a:spcBef>
+              <a:spcAft>
+                <a:spcPct val="0"/>
+              </a:spcAft>
+              <a:defRPr sz="2400">
+                <a:solidFill>
+                  <a:schemeClr val="tx1"/>
+                </a:solidFill>
+                <a:latin typeface="Trebuchet MS" charset="0"/>
+                <a:ea typeface="ＭＳ Ｐゴシック" charset="0"/>
+              </a:defRPr>
+            </a:lvl7pPr>
+            <a:lvl8pPr marL="3429000" indent="-228600" eaLnBrk="0" fontAlgn="base" hangingPunct="0">
+              <a:spcBef>
+                <a:spcPct val="0"/>
+              </a:spcBef>
+              <a:spcAft>
+                <a:spcPct val="0"/>
+              </a:spcAft>
+              <a:defRPr sz="2400">
+                <a:solidFill>
+                  <a:schemeClr val="tx1"/>
+                </a:solidFill>
+                <a:latin typeface="Trebuchet MS" charset="0"/>
+                <a:ea typeface="ＭＳ Ｐゴシック" charset="0"/>
+              </a:defRPr>
+            </a:lvl8pPr>
+            <a:lvl9pPr marL="3886200" indent="-228600" eaLnBrk="0" fontAlgn="base" hangingPunct="0">
+              <a:spcBef>
+                <a:spcPct val="0"/>
+              </a:spcBef>
+              <a:spcAft>
+                <a:spcPct val="0"/>
+              </a:spcAft>
+              <a:defRPr sz="2400">
+                <a:solidFill>
+                  <a:schemeClr val="tx1"/>
+                </a:solidFill>
+                <a:latin typeface="Trebuchet MS" charset="0"/>
+                <a:ea typeface="ＭＳ Ｐゴシック" charset="0"/>
+              </a:defRPr>
+            </a:lvl9pPr>
+          </a:lstStyle>
+          <a:p>
+            <a:pPr algn="l" eaLnBrk="1" hangingPunct="1"/>
+            <a:r>
+              <a:rPr lang="en-US" sz="1200" b="1" dirty="0">
+                <a:solidFill>
+                  <a:srgbClr val="122956"/>
+                </a:solidFill>
+                <a:cs typeface="Trebuchet MS" charset="0"/>
+              </a:rPr>
+              <a:t>7</a:t>
+            </a:r>
+            <a:r>
+              <a:rPr lang="en-US" sz="1200" b="1" dirty="0" smtClean="0">
+                <a:solidFill>
+                  <a:srgbClr val="122956"/>
+                </a:solidFill>
+                <a:cs typeface="Trebuchet MS" charset="0"/>
+              </a:rPr>
+              <a:t>-</a:t>
+            </a:r>
+            <a:fld id="{31B56995-E14C-B64F-86C9-12D6DB74A41E}" type="slidenum">
+              <a:rPr lang="en-US" sz="1200" b="1">
+                <a:solidFill>
+                  <a:srgbClr val="122956"/>
+                </a:solidFill>
+                <a:cs typeface="Trebuchet MS" charset="0"/>
+              </a:rPr>
+              <a:pPr algn="l" eaLnBrk="1" hangingPunct="1"/>
+              <a:t>11</a:t>
+            </a:fld>
+            <a:endParaRPr lang="en-US" sz="1200" b="1" dirty="0">
+              <a:solidFill>
+                <a:srgbClr val="122956"/>
+              </a:solidFill>
+              <a:cs typeface="Trebuchet MS" charset="0"/>
+            </a:endParaRPr>
+          </a:p>
+        </p:txBody>
+      </p:sp>
     </p:spTree>
     <p:extLst>
       <p:ext uri="{BB962C8B-B14F-4D97-AF65-F5344CB8AC3E}">
@@ -7999,6 +8443,195 @@
               <a:t>Resource expense</a:t>
             </a:r>
             <a:endParaRPr lang="en-US" dirty="0"/>
+          </a:p>
+        </p:txBody>
+      </p:sp>
+      <p:sp>
+        <p:nvSpPr>
+          <p:cNvPr id="4" name="Slide Number Placeholder 5"/>
+          <p:cNvSpPr>
+            <a:spLocks noGrp="1"/>
+          </p:cNvSpPr>
+          <p:nvPr>
+            <p:ph type="sldNum" sz="quarter" idx="12"/>
+          </p:nvPr>
+        </p:nvSpPr>
+        <p:spPr bwMode="auto">
+          <a:xfrm>
+            <a:off x="203200" y="6400800"/>
+            <a:ext cx="2133600" cy="365125"/>
+          </a:xfrm>
+          <a:noFill/>
+          <a:extLst>
+            <a:ext uri="{909E8E84-426E-40dd-AFC4-6F175D3DCCD1}">
+              <a14:hiddenFill xmlns:a14="http://schemas.microsoft.com/office/drawing/2010/main">
+                <a:solidFill>
+                  <a:srgbClr val="FFFFFF"/>
+                </a:solidFill>
+              </a14:hiddenFill>
+            </a:ext>
+            <a:ext uri="{91240B29-F687-4f45-9708-019B960494DF}">
+              <a14:hiddenLine xmlns:a14="http://schemas.microsoft.com/office/drawing/2010/main" w="9525">
+                <a:solidFill>
+                  <a:srgbClr val="000000"/>
+                </a:solidFill>
+                <a:miter lim="800000"/>
+                <a:headEnd/>
+                <a:tailEnd/>
+              </a14:hiddenLine>
+            </a:ext>
+          </a:extLst>
+        </p:spPr>
+        <p:txBody>
+          <a:bodyPr vert="horz" wrap="square" lIns="91440" tIns="45720" rIns="91440" bIns="45720" numCol="1" anchor="ctr" anchorCtr="0" compatLnSpc="1">
+            <a:prstTxWarp prst="textNoShape">
+              <a:avLst/>
+            </a:prstTxWarp>
+          </a:bodyPr>
+          <a:lstStyle>
+            <a:lvl1pPr eaLnBrk="0" hangingPunct="0">
+              <a:defRPr sz="2400">
+                <a:solidFill>
+                  <a:schemeClr val="tx1"/>
+                </a:solidFill>
+                <a:latin typeface="Trebuchet MS" charset="0"/>
+                <a:ea typeface="ＭＳ Ｐゴシック" charset="0"/>
+                <a:cs typeface="ＭＳ Ｐゴシック" charset="0"/>
+              </a:defRPr>
+            </a:lvl1pPr>
+            <a:lvl2pPr marL="742950" indent="-285750" eaLnBrk="0" hangingPunct="0">
+              <a:defRPr sz="2400">
+                <a:solidFill>
+                  <a:schemeClr val="tx1"/>
+                </a:solidFill>
+                <a:latin typeface="Trebuchet MS" charset="0"/>
+                <a:ea typeface="ＭＳ Ｐゴシック" charset="0"/>
+              </a:defRPr>
+            </a:lvl2pPr>
+            <a:lvl3pPr marL="1143000" indent="-228600" eaLnBrk="0" hangingPunct="0">
+              <a:defRPr sz="2400">
+                <a:solidFill>
+                  <a:schemeClr val="tx1"/>
+                </a:solidFill>
+                <a:latin typeface="Trebuchet MS" charset="0"/>
+                <a:ea typeface="ＭＳ Ｐゴシック" charset="0"/>
+              </a:defRPr>
+            </a:lvl3pPr>
+            <a:lvl4pPr marL="1600200" indent="-228600" eaLnBrk="0" hangingPunct="0">
+              <a:defRPr sz="2400">
+                <a:solidFill>
+                  <a:schemeClr val="tx1"/>
+                </a:solidFill>
+                <a:latin typeface="Trebuchet MS" charset="0"/>
+                <a:ea typeface="ＭＳ Ｐゴシック" charset="0"/>
+              </a:defRPr>
+            </a:lvl4pPr>
+            <a:lvl5pPr marL="2057400" indent="-228600" eaLnBrk="0" hangingPunct="0">
+              <a:defRPr sz="2400">
+                <a:solidFill>
+                  <a:schemeClr val="tx1"/>
+                </a:solidFill>
+                <a:latin typeface="Trebuchet MS" charset="0"/>
+                <a:ea typeface="ＭＳ Ｐゴシック" charset="0"/>
+              </a:defRPr>
+            </a:lvl5pPr>
+            <a:lvl6pPr marL="2514600" indent="-228600" eaLnBrk="0" fontAlgn="base" hangingPunct="0">
+              <a:spcBef>
+                <a:spcPct val="0"/>
+              </a:spcBef>
+              <a:spcAft>
+                <a:spcPct val="0"/>
+              </a:spcAft>
+              <a:defRPr sz="2400">
+                <a:solidFill>
+                  <a:schemeClr val="tx1"/>
+                </a:solidFill>
+                <a:latin typeface="Trebuchet MS" charset="0"/>
+                <a:ea typeface="ＭＳ Ｐゴシック" charset="0"/>
+              </a:defRPr>
+            </a:lvl6pPr>
+            <a:lvl7pPr marL="2971800" indent="-228600" eaLnBrk="0" fontAlgn="base" hangingPunct="0">
+              <a:spcBef>
+                <a:spcPct val="0"/>
+              </a:spcBef>
+              <a:spcAft>
+                <a:spcPct val="0"/>
+              </a:spcAft>
+              <a:defRPr sz="2400">
+                <a:solidFill>
+                  <a:schemeClr val="tx1"/>
+                </a:solidFill>
+                <a:latin typeface="Trebuchet MS" charset="0"/>
+                <a:ea typeface="ＭＳ Ｐゴシック" charset="0"/>
+              </a:defRPr>
+            </a:lvl7pPr>
+            <a:lvl8pPr marL="3429000" indent="-228600" eaLnBrk="0" fontAlgn="base" hangingPunct="0">
+              <a:spcBef>
+                <a:spcPct val="0"/>
+              </a:spcBef>
+              <a:spcAft>
+                <a:spcPct val="0"/>
+              </a:spcAft>
+              <a:defRPr sz="2400">
+                <a:solidFill>
+                  <a:schemeClr val="tx1"/>
+                </a:solidFill>
+                <a:latin typeface="Trebuchet MS" charset="0"/>
+                <a:ea typeface="ＭＳ Ｐゴシック" charset="0"/>
+              </a:defRPr>
+            </a:lvl8pPr>
+            <a:lvl9pPr marL="3886200" indent="-228600" eaLnBrk="0" fontAlgn="base" hangingPunct="0">
+              <a:spcBef>
+                <a:spcPct val="0"/>
+              </a:spcBef>
+              <a:spcAft>
+                <a:spcPct val="0"/>
+              </a:spcAft>
+              <a:defRPr sz="2400">
+                <a:solidFill>
+                  <a:schemeClr val="tx1"/>
+                </a:solidFill>
+                <a:latin typeface="Trebuchet MS" charset="0"/>
+                <a:ea typeface="ＭＳ Ｐゴシック" charset="0"/>
+              </a:defRPr>
+            </a:lvl9pPr>
+          </a:lstStyle>
+          <a:p>
+            <a:pPr algn="l" eaLnBrk="1" hangingPunct="1"/>
+            <a:r>
+              <a:rPr lang="en-US" sz="1200" b="1" dirty="0">
+                <a:solidFill>
+                  <a:srgbClr val="122956"/>
+                </a:solidFill>
+                <a:cs typeface="Trebuchet MS" charset="0"/>
+              </a:rPr>
+              <a:t>7</a:t>
+            </a:r>
+            <a:r>
+              <a:rPr lang="en-US" sz="1200" b="1" dirty="0" smtClean="0">
+                <a:solidFill>
+                  <a:srgbClr val="122956"/>
+                </a:solidFill>
+                <a:cs typeface="Trebuchet MS" charset="0"/>
+              </a:rPr>
+              <a:t>-</a:t>
+            </a:r>
+            <a:fld id="{31B56995-E14C-B64F-86C9-12D6DB74A41E}" type="slidenum">
+              <a:rPr lang="en-US" sz="1200" b="1">
+                <a:solidFill>
+                  <a:srgbClr val="122956"/>
+                </a:solidFill>
+                <a:cs typeface="Trebuchet MS" charset="0"/>
+              </a:rPr>
+              <a:pPr algn="l" eaLnBrk="1" hangingPunct="1"/>
+              <a:t>12</a:t>
+            </a:fld>
+            <a:endParaRPr lang="en-US" sz="1200" b="1" dirty="0">
+              <a:solidFill>
+                <a:srgbClr val="122956"/>
+              </a:solidFill>
+              <a:cs typeface="Trebuchet MS" charset="0"/>
+            </a:endParaRPr>
           </a:p>
         </p:txBody>
       </p:sp>
@@ -8125,6 +8758,195 @@
           </a:p>
         </p:txBody>
       </p:sp>
+      <p:sp>
+        <p:nvSpPr>
+          <p:cNvPr id="4" name="Slide Number Placeholder 5"/>
+          <p:cNvSpPr>
+            <a:spLocks noGrp="1"/>
+          </p:cNvSpPr>
+          <p:nvPr>
+            <p:ph type="sldNum" sz="quarter" idx="12"/>
+          </p:nvPr>
+        </p:nvSpPr>
+        <p:spPr bwMode="auto">
+          <a:xfrm>
+            <a:off x="203200" y="6400800"/>
+            <a:ext cx="2133600" cy="365125"/>
+          </a:xfrm>
+          <a:noFill/>
+          <a:extLst>
+            <a:ext uri="{909E8E84-426E-40dd-AFC4-6F175D3DCCD1}">
+              <a14:hiddenFill xmlns:a14="http://schemas.microsoft.com/office/drawing/2010/main">
+                <a:solidFill>
+                  <a:srgbClr val="FFFFFF"/>
+                </a:solidFill>
+              </a14:hiddenFill>
+            </a:ext>
+            <a:ext uri="{91240B29-F687-4f45-9708-019B960494DF}">
+              <a14:hiddenLine xmlns:a14="http://schemas.microsoft.com/office/drawing/2010/main" w="9525">
+                <a:solidFill>
+                  <a:srgbClr val="000000"/>
+                </a:solidFill>
+                <a:miter lim="800000"/>
+                <a:headEnd/>
+                <a:tailEnd/>
+              </a14:hiddenLine>
+            </a:ext>
+          </a:extLst>
+        </p:spPr>
+        <p:txBody>
+          <a:bodyPr vert="horz" wrap="square" lIns="91440" tIns="45720" rIns="91440" bIns="45720" numCol="1" anchor="ctr" anchorCtr="0" compatLnSpc="1">
+            <a:prstTxWarp prst="textNoShape">
+              <a:avLst/>
+            </a:prstTxWarp>
+          </a:bodyPr>
+          <a:lstStyle>
+            <a:lvl1pPr eaLnBrk="0" hangingPunct="0">
+              <a:defRPr sz="2400">
+                <a:solidFill>
+                  <a:schemeClr val="tx1"/>
+                </a:solidFill>
+                <a:latin typeface="Trebuchet MS" charset="0"/>
+                <a:ea typeface="ＭＳ Ｐゴシック" charset="0"/>
+                <a:cs typeface="ＭＳ Ｐゴシック" charset="0"/>
+              </a:defRPr>
+            </a:lvl1pPr>
+            <a:lvl2pPr marL="742950" indent="-285750" eaLnBrk="0" hangingPunct="0">
+              <a:defRPr sz="2400">
+                <a:solidFill>
+                  <a:schemeClr val="tx1"/>
+                </a:solidFill>
+                <a:latin typeface="Trebuchet MS" charset="0"/>
+                <a:ea typeface="ＭＳ Ｐゴシック" charset="0"/>
+              </a:defRPr>
+            </a:lvl2pPr>
+            <a:lvl3pPr marL="1143000" indent="-228600" eaLnBrk="0" hangingPunct="0">
+              <a:defRPr sz="2400">
+                <a:solidFill>
+                  <a:schemeClr val="tx1"/>
+                </a:solidFill>
+                <a:latin typeface="Trebuchet MS" charset="0"/>
+                <a:ea typeface="ＭＳ Ｐゴシック" charset="0"/>
+              </a:defRPr>
+            </a:lvl3pPr>
+            <a:lvl4pPr marL="1600200" indent="-228600" eaLnBrk="0" hangingPunct="0">
+              <a:defRPr sz="2400">
+                <a:solidFill>
+                  <a:schemeClr val="tx1"/>
+                </a:solidFill>
+                <a:latin typeface="Trebuchet MS" charset="0"/>
+                <a:ea typeface="ＭＳ Ｐゴシック" charset="0"/>
+              </a:defRPr>
+            </a:lvl4pPr>
+            <a:lvl5pPr marL="2057400" indent="-228600" eaLnBrk="0" hangingPunct="0">
+              <a:defRPr sz="2400">
+                <a:solidFill>
+                  <a:schemeClr val="tx1"/>
+                </a:solidFill>
+                <a:latin typeface="Trebuchet MS" charset="0"/>
+                <a:ea typeface="ＭＳ Ｐゴシック" charset="0"/>
+              </a:defRPr>
+            </a:lvl5pPr>
+            <a:lvl6pPr marL="2514600" indent="-228600" eaLnBrk="0" fontAlgn="base" hangingPunct="0">
+              <a:spcBef>
+                <a:spcPct val="0"/>
+              </a:spcBef>
+              <a:spcAft>
+                <a:spcPct val="0"/>
+              </a:spcAft>
+              <a:defRPr sz="2400">
+                <a:solidFill>
+                  <a:schemeClr val="tx1"/>
+                </a:solidFill>
+                <a:latin typeface="Trebuchet MS" charset="0"/>
+                <a:ea typeface="ＭＳ Ｐゴシック" charset="0"/>
+              </a:defRPr>
+            </a:lvl6pPr>
+            <a:lvl7pPr marL="2971800" indent="-228600" eaLnBrk="0" fontAlgn="base" hangingPunct="0">
+              <a:spcBef>
+                <a:spcPct val="0"/>
+              </a:spcBef>
+              <a:spcAft>
+                <a:spcPct val="0"/>
+              </a:spcAft>
+              <a:defRPr sz="2400">
+                <a:solidFill>
+                  <a:schemeClr val="tx1"/>
+                </a:solidFill>
+                <a:latin typeface="Trebuchet MS" charset="0"/>
+                <a:ea typeface="ＭＳ Ｐゴシック" charset="0"/>
+              </a:defRPr>
+            </a:lvl7pPr>
+            <a:lvl8pPr marL="3429000" indent="-228600" eaLnBrk="0" fontAlgn="base" hangingPunct="0">
+              <a:spcBef>
+                <a:spcPct val="0"/>
+              </a:spcBef>
+              <a:spcAft>
+                <a:spcPct val="0"/>
+              </a:spcAft>
+              <a:defRPr sz="2400">
+                <a:solidFill>
+                  <a:schemeClr val="tx1"/>
+                </a:solidFill>
+                <a:latin typeface="Trebuchet MS" charset="0"/>
+                <a:ea typeface="ＭＳ Ｐゴシック" charset="0"/>
+              </a:defRPr>
+            </a:lvl8pPr>
+            <a:lvl9pPr marL="3886200" indent="-228600" eaLnBrk="0" fontAlgn="base" hangingPunct="0">
+              <a:spcBef>
+                <a:spcPct val="0"/>
+              </a:spcBef>
+              <a:spcAft>
+                <a:spcPct val="0"/>
+              </a:spcAft>
+              <a:defRPr sz="2400">
+                <a:solidFill>
+                  <a:schemeClr val="tx1"/>
+                </a:solidFill>
+                <a:latin typeface="Trebuchet MS" charset="0"/>
+                <a:ea typeface="ＭＳ Ｐゴシック" charset="0"/>
+              </a:defRPr>
+            </a:lvl9pPr>
+          </a:lstStyle>
+          <a:p>
+            <a:pPr algn="l" eaLnBrk="1" hangingPunct="1"/>
+            <a:r>
+              <a:rPr lang="en-US" sz="1200" b="1" dirty="0">
+                <a:solidFill>
+                  <a:srgbClr val="122956"/>
+                </a:solidFill>
+                <a:cs typeface="Trebuchet MS" charset="0"/>
+              </a:rPr>
+              <a:t>7</a:t>
+            </a:r>
+            <a:r>
+              <a:rPr lang="en-US" sz="1200" b="1" dirty="0" smtClean="0">
+                <a:solidFill>
+                  <a:srgbClr val="122956"/>
+                </a:solidFill>
+                <a:cs typeface="Trebuchet MS" charset="0"/>
+              </a:rPr>
+              <a:t>-</a:t>
+            </a:r>
+            <a:fld id="{31B56995-E14C-B64F-86C9-12D6DB74A41E}" type="slidenum">
+              <a:rPr lang="en-US" sz="1200" b="1">
+                <a:solidFill>
+                  <a:srgbClr val="122956"/>
+                </a:solidFill>
+                <a:cs typeface="Trebuchet MS" charset="0"/>
+              </a:rPr>
+              <a:pPr algn="l" eaLnBrk="1" hangingPunct="1"/>
+              <a:t>13</a:t>
+            </a:fld>
+            <a:endParaRPr lang="en-US" sz="1200" b="1" dirty="0">
+              <a:solidFill>
+                <a:srgbClr val="122956"/>
+              </a:solidFill>
+              <a:cs typeface="Trebuchet MS" charset="0"/>
+            </a:endParaRPr>
+          </a:p>
+        </p:txBody>
+      </p:sp>
     </p:spTree>
     <p:extLst>
       <p:ext uri="{BB962C8B-B14F-4D97-AF65-F5344CB8AC3E}">
@@ -8244,6 +9066,195 @@
               <a:t>ScrollableView</a:t>
             </a:r>
             <a:endParaRPr lang="en-US" dirty="0"/>
+          </a:p>
+        </p:txBody>
+      </p:sp>
+      <p:sp>
+        <p:nvSpPr>
+          <p:cNvPr id="4" name="Slide Number Placeholder 5"/>
+          <p:cNvSpPr>
+            <a:spLocks noGrp="1"/>
+          </p:cNvSpPr>
+          <p:nvPr>
+            <p:ph type="sldNum" sz="quarter" idx="12"/>
+          </p:nvPr>
+        </p:nvSpPr>
+        <p:spPr bwMode="auto">
+          <a:xfrm>
+            <a:off x="203200" y="6400800"/>
+            <a:ext cx="2133600" cy="365125"/>
+          </a:xfrm>
+          <a:noFill/>
+          <a:extLst>
+            <a:ext uri="{909E8E84-426E-40dd-AFC4-6F175D3DCCD1}">
+              <a14:hiddenFill xmlns:a14="http://schemas.microsoft.com/office/drawing/2010/main">
+                <a:solidFill>
+                  <a:srgbClr val="FFFFFF"/>
+                </a:solidFill>
+              </a14:hiddenFill>
+            </a:ext>
+            <a:ext uri="{91240B29-F687-4f45-9708-019B960494DF}">
+              <a14:hiddenLine xmlns:a14="http://schemas.microsoft.com/office/drawing/2010/main" w="9525">
+                <a:solidFill>
+                  <a:srgbClr val="000000"/>
+                </a:solidFill>
+                <a:miter lim="800000"/>
+                <a:headEnd/>
+                <a:tailEnd/>
+              </a14:hiddenLine>
+            </a:ext>
+          </a:extLst>
+        </p:spPr>
+        <p:txBody>
+          <a:bodyPr vert="horz" wrap="square" lIns="91440" tIns="45720" rIns="91440" bIns="45720" numCol="1" anchor="ctr" anchorCtr="0" compatLnSpc="1">
+            <a:prstTxWarp prst="textNoShape">
+              <a:avLst/>
+            </a:prstTxWarp>
+          </a:bodyPr>
+          <a:lstStyle>
+            <a:lvl1pPr eaLnBrk="0" hangingPunct="0">
+              <a:defRPr sz="2400">
+                <a:solidFill>
+                  <a:schemeClr val="tx1"/>
+                </a:solidFill>
+                <a:latin typeface="Trebuchet MS" charset="0"/>
+                <a:ea typeface="ＭＳ Ｐゴシック" charset="0"/>
+                <a:cs typeface="ＭＳ Ｐゴシック" charset="0"/>
+              </a:defRPr>
+            </a:lvl1pPr>
+            <a:lvl2pPr marL="742950" indent="-285750" eaLnBrk="0" hangingPunct="0">
+              <a:defRPr sz="2400">
+                <a:solidFill>
+                  <a:schemeClr val="tx1"/>
+                </a:solidFill>
+                <a:latin typeface="Trebuchet MS" charset="0"/>
+                <a:ea typeface="ＭＳ Ｐゴシック" charset="0"/>
+              </a:defRPr>
+            </a:lvl2pPr>
+            <a:lvl3pPr marL="1143000" indent="-228600" eaLnBrk="0" hangingPunct="0">
+              <a:defRPr sz="2400">
+                <a:solidFill>
+                  <a:schemeClr val="tx1"/>
+                </a:solidFill>
+                <a:latin typeface="Trebuchet MS" charset="0"/>
+                <a:ea typeface="ＭＳ Ｐゴシック" charset="0"/>
+              </a:defRPr>
+            </a:lvl3pPr>
+            <a:lvl4pPr marL="1600200" indent="-228600" eaLnBrk="0" hangingPunct="0">
+              <a:defRPr sz="2400">
+                <a:solidFill>
+                  <a:schemeClr val="tx1"/>
+                </a:solidFill>
+                <a:latin typeface="Trebuchet MS" charset="0"/>
+                <a:ea typeface="ＭＳ Ｐゴシック" charset="0"/>
+              </a:defRPr>
+            </a:lvl4pPr>
+            <a:lvl5pPr marL="2057400" indent="-228600" eaLnBrk="0" hangingPunct="0">
+              <a:defRPr sz="2400">
+                <a:solidFill>
+                  <a:schemeClr val="tx1"/>
+                </a:solidFill>
+                <a:latin typeface="Trebuchet MS" charset="0"/>
+                <a:ea typeface="ＭＳ Ｐゴシック" charset="0"/>
+              </a:defRPr>
+            </a:lvl5pPr>
+            <a:lvl6pPr marL="2514600" indent="-228600" eaLnBrk="0" fontAlgn="base" hangingPunct="0">
+              <a:spcBef>
+                <a:spcPct val="0"/>
+              </a:spcBef>
+              <a:spcAft>
+                <a:spcPct val="0"/>
+              </a:spcAft>
+              <a:defRPr sz="2400">
+                <a:solidFill>
+                  <a:schemeClr val="tx1"/>
+                </a:solidFill>
+                <a:latin typeface="Trebuchet MS" charset="0"/>
+                <a:ea typeface="ＭＳ Ｐゴシック" charset="0"/>
+              </a:defRPr>
+            </a:lvl6pPr>
+            <a:lvl7pPr marL="2971800" indent="-228600" eaLnBrk="0" fontAlgn="base" hangingPunct="0">
+              <a:spcBef>
+                <a:spcPct val="0"/>
+              </a:spcBef>
+              <a:spcAft>
+                <a:spcPct val="0"/>
+              </a:spcAft>
+              <a:defRPr sz="2400">
+                <a:solidFill>
+                  <a:schemeClr val="tx1"/>
+                </a:solidFill>
+                <a:latin typeface="Trebuchet MS" charset="0"/>
+                <a:ea typeface="ＭＳ Ｐゴシック" charset="0"/>
+              </a:defRPr>
+            </a:lvl7pPr>
+            <a:lvl8pPr marL="3429000" indent="-228600" eaLnBrk="0" fontAlgn="base" hangingPunct="0">
+              <a:spcBef>
+                <a:spcPct val="0"/>
+              </a:spcBef>
+              <a:spcAft>
+                <a:spcPct val="0"/>
+              </a:spcAft>
+              <a:defRPr sz="2400">
+                <a:solidFill>
+                  <a:schemeClr val="tx1"/>
+                </a:solidFill>
+                <a:latin typeface="Trebuchet MS" charset="0"/>
+                <a:ea typeface="ＭＳ Ｐゴシック" charset="0"/>
+              </a:defRPr>
+            </a:lvl8pPr>
+            <a:lvl9pPr marL="3886200" indent="-228600" eaLnBrk="0" fontAlgn="base" hangingPunct="0">
+              <a:spcBef>
+                <a:spcPct val="0"/>
+              </a:spcBef>
+              <a:spcAft>
+                <a:spcPct val="0"/>
+              </a:spcAft>
+              <a:defRPr sz="2400">
+                <a:solidFill>
+                  <a:schemeClr val="tx1"/>
+                </a:solidFill>
+                <a:latin typeface="Trebuchet MS" charset="0"/>
+                <a:ea typeface="ＭＳ Ｐゴシック" charset="0"/>
+              </a:defRPr>
+            </a:lvl9pPr>
+          </a:lstStyle>
+          <a:p>
+            <a:pPr algn="l" eaLnBrk="1" hangingPunct="1"/>
+            <a:r>
+              <a:rPr lang="en-US" sz="1200" b="1" dirty="0">
+                <a:solidFill>
+                  <a:srgbClr val="122956"/>
+                </a:solidFill>
+                <a:cs typeface="Trebuchet MS" charset="0"/>
+              </a:rPr>
+              <a:t>7</a:t>
+            </a:r>
+            <a:r>
+              <a:rPr lang="en-US" sz="1200" b="1" dirty="0" smtClean="0">
+                <a:solidFill>
+                  <a:srgbClr val="122956"/>
+                </a:solidFill>
+                <a:cs typeface="Trebuchet MS" charset="0"/>
+              </a:rPr>
+              <a:t>-</a:t>
+            </a:r>
+            <a:fld id="{31B56995-E14C-B64F-86C9-12D6DB74A41E}" type="slidenum">
+              <a:rPr lang="en-US" sz="1200" b="1">
+                <a:solidFill>
+                  <a:srgbClr val="122956"/>
+                </a:solidFill>
+                <a:cs typeface="Trebuchet MS" charset="0"/>
+              </a:rPr>
+              <a:pPr algn="l" eaLnBrk="1" hangingPunct="1"/>
+              <a:t>14</a:t>
+            </a:fld>
+            <a:endParaRPr lang="en-US" sz="1200" b="1" dirty="0">
+              <a:solidFill>
+                <a:srgbClr val="122956"/>
+              </a:solidFill>
+              <a:cs typeface="Trebuchet MS" charset="0"/>
+            </a:endParaRPr>
           </a:p>
         </p:txBody>
       </p:sp>
@@ -8370,6 +9381,195 @@
           </a:p>
         </p:txBody>
       </p:sp>
+      <p:sp>
+        <p:nvSpPr>
+          <p:cNvPr id="4" name="Slide Number Placeholder 5"/>
+          <p:cNvSpPr>
+            <a:spLocks noGrp="1"/>
+          </p:cNvSpPr>
+          <p:nvPr>
+            <p:ph type="sldNum" sz="quarter" idx="12"/>
+          </p:nvPr>
+        </p:nvSpPr>
+        <p:spPr bwMode="auto">
+          <a:xfrm>
+            <a:off x="203200" y="6400800"/>
+            <a:ext cx="2133600" cy="365125"/>
+          </a:xfrm>
+          <a:noFill/>
+          <a:extLst>
+            <a:ext uri="{909E8E84-426E-40dd-AFC4-6F175D3DCCD1}">
+              <a14:hiddenFill xmlns:a14="http://schemas.microsoft.com/office/drawing/2010/main">
+                <a:solidFill>
+                  <a:srgbClr val="FFFFFF"/>
+                </a:solidFill>
+              </a14:hiddenFill>
+            </a:ext>
+            <a:ext uri="{91240B29-F687-4f45-9708-019B960494DF}">
+              <a14:hiddenLine xmlns:a14="http://schemas.microsoft.com/office/drawing/2010/main" w="9525">
+                <a:solidFill>
+                  <a:srgbClr val="000000"/>
+                </a:solidFill>
+                <a:miter lim="800000"/>
+                <a:headEnd/>
+                <a:tailEnd/>
+              </a14:hiddenLine>
+            </a:ext>
+          </a:extLst>
+        </p:spPr>
+        <p:txBody>
+          <a:bodyPr vert="horz" wrap="square" lIns="91440" tIns="45720" rIns="91440" bIns="45720" numCol="1" anchor="ctr" anchorCtr="0" compatLnSpc="1">
+            <a:prstTxWarp prst="textNoShape">
+              <a:avLst/>
+            </a:prstTxWarp>
+          </a:bodyPr>
+          <a:lstStyle>
+            <a:lvl1pPr eaLnBrk="0" hangingPunct="0">
+              <a:defRPr sz="2400">
+                <a:solidFill>
+                  <a:schemeClr val="tx1"/>
+                </a:solidFill>
+                <a:latin typeface="Trebuchet MS" charset="0"/>
+                <a:ea typeface="ＭＳ Ｐゴシック" charset="0"/>
+                <a:cs typeface="ＭＳ Ｐゴシック" charset="0"/>
+              </a:defRPr>
+            </a:lvl1pPr>
+            <a:lvl2pPr marL="742950" indent="-285750" eaLnBrk="0" hangingPunct="0">
+              <a:defRPr sz="2400">
+                <a:solidFill>
+                  <a:schemeClr val="tx1"/>
+                </a:solidFill>
+                <a:latin typeface="Trebuchet MS" charset="0"/>
+                <a:ea typeface="ＭＳ Ｐゴシック" charset="0"/>
+              </a:defRPr>
+            </a:lvl2pPr>
+            <a:lvl3pPr marL="1143000" indent="-228600" eaLnBrk="0" hangingPunct="0">
+              <a:defRPr sz="2400">
+                <a:solidFill>
+                  <a:schemeClr val="tx1"/>
+                </a:solidFill>
+                <a:latin typeface="Trebuchet MS" charset="0"/>
+                <a:ea typeface="ＭＳ Ｐゴシック" charset="0"/>
+              </a:defRPr>
+            </a:lvl3pPr>
+            <a:lvl4pPr marL="1600200" indent="-228600" eaLnBrk="0" hangingPunct="0">
+              <a:defRPr sz="2400">
+                <a:solidFill>
+                  <a:schemeClr val="tx1"/>
+                </a:solidFill>
+                <a:latin typeface="Trebuchet MS" charset="0"/>
+                <a:ea typeface="ＭＳ Ｐゴシック" charset="0"/>
+              </a:defRPr>
+            </a:lvl4pPr>
+            <a:lvl5pPr marL="2057400" indent="-228600" eaLnBrk="0" hangingPunct="0">
+              <a:defRPr sz="2400">
+                <a:solidFill>
+                  <a:schemeClr val="tx1"/>
+                </a:solidFill>
+                <a:latin typeface="Trebuchet MS" charset="0"/>
+                <a:ea typeface="ＭＳ Ｐゴシック" charset="0"/>
+              </a:defRPr>
+            </a:lvl5pPr>
+            <a:lvl6pPr marL="2514600" indent="-228600" eaLnBrk="0" fontAlgn="base" hangingPunct="0">
+              <a:spcBef>
+                <a:spcPct val="0"/>
+              </a:spcBef>
+              <a:spcAft>
+                <a:spcPct val="0"/>
+              </a:spcAft>
+              <a:defRPr sz="2400">
+                <a:solidFill>
+                  <a:schemeClr val="tx1"/>
+                </a:solidFill>
+                <a:latin typeface="Trebuchet MS" charset="0"/>
+                <a:ea typeface="ＭＳ Ｐゴシック" charset="0"/>
+              </a:defRPr>
+            </a:lvl6pPr>
+            <a:lvl7pPr marL="2971800" indent="-228600" eaLnBrk="0" fontAlgn="base" hangingPunct="0">
+              <a:spcBef>
+                <a:spcPct val="0"/>
+              </a:spcBef>
+              <a:spcAft>
+                <a:spcPct val="0"/>
+              </a:spcAft>
+              <a:defRPr sz="2400">
+                <a:solidFill>
+                  <a:schemeClr val="tx1"/>
+                </a:solidFill>
+                <a:latin typeface="Trebuchet MS" charset="0"/>
+                <a:ea typeface="ＭＳ Ｐゴシック" charset="0"/>
+              </a:defRPr>
+            </a:lvl7pPr>
+            <a:lvl8pPr marL="3429000" indent="-228600" eaLnBrk="0" fontAlgn="base" hangingPunct="0">
+              <a:spcBef>
+                <a:spcPct val="0"/>
+              </a:spcBef>
+              <a:spcAft>
+                <a:spcPct val="0"/>
+              </a:spcAft>
+              <a:defRPr sz="2400">
+                <a:solidFill>
+                  <a:schemeClr val="tx1"/>
+                </a:solidFill>
+                <a:latin typeface="Trebuchet MS" charset="0"/>
+                <a:ea typeface="ＭＳ Ｐゴシック" charset="0"/>
+              </a:defRPr>
+            </a:lvl8pPr>
+            <a:lvl9pPr marL="3886200" indent="-228600" eaLnBrk="0" fontAlgn="base" hangingPunct="0">
+              <a:spcBef>
+                <a:spcPct val="0"/>
+              </a:spcBef>
+              <a:spcAft>
+                <a:spcPct val="0"/>
+              </a:spcAft>
+              <a:defRPr sz="2400">
+                <a:solidFill>
+                  <a:schemeClr val="tx1"/>
+                </a:solidFill>
+                <a:latin typeface="Trebuchet MS" charset="0"/>
+                <a:ea typeface="ＭＳ Ｐゴシック" charset="0"/>
+              </a:defRPr>
+            </a:lvl9pPr>
+          </a:lstStyle>
+          <a:p>
+            <a:pPr algn="l" eaLnBrk="1" hangingPunct="1"/>
+            <a:r>
+              <a:rPr lang="en-US" sz="1200" b="1" dirty="0">
+                <a:solidFill>
+                  <a:srgbClr val="122956"/>
+                </a:solidFill>
+                <a:cs typeface="Trebuchet MS" charset="0"/>
+              </a:rPr>
+              <a:t>7</a:t>
+            </a:r>
+            <a:r>
+              <a:rPr lang="en-US" sz="1200" b="1" dirty="0" smtClean="0">
+                <a:solidFill>
+                  <a:srgbClr val="122956"/>
+                </a:solidFill>
+                <a:cs typeface="Trebuchet MS" charset="0"/>
+              </a:rPr>
+              <a:t>-</a:t>
+            </a:r>
+            <a:fld id="{31B56995-E14C-B64F-86C9-12D6DB74A41E}" type="slidenum">
+              <a:rPr lang="en-US" sz="1200" b="1">
+                <a:solidFill>
+                  <a:srgbClr val="122956"/>
+                </a:solidFill>
+                <a:cs typeface="Trebuchet MS" charset="0"/>
+              </a:rPr>
+              <a:pPr algn="l" eaLnBrk="1" hangingPunct="1"/>
+              <a:t>15</a:t>
+            </a:fld>
+            <a:endParaRPr lang="en-US" sz="1200" b="1" dirty="0">
+              <a:solidFill>
+                <a:srgbClr val="122956"/>
+              </a:solidFill>
+              <a:cs typeface="Trebuchet MS" charset="0"/>
+            </a:endParaRPr>
+          </a:p>
+        </p:txBody>
+      </p:sp>
     </p:spTree>
     <p:extLst>
       <p:ext uri="{BB962C8B-B14F-4D97-AF65-F5344CB8AC3E}">
@@ -8486,6 +9686,195 @@
               <a:rPr lang="en-US" dirty="0" smtClean="0"/>
               <a:t>Web views as scrollable containers</a:t>
             </a:r>
+          </a:p>
+        </p:txBody>
+      </p:sp>
+      <p:sp>
+        <p:nvSpPr>
+          <p:cNvPr id="4" name="Slide Number Placeholder 5"/>
+          <p:cNvSpPr>
+            <a:spLocks noGrp="1"/>
+          </p:cNvSpPr>
+          <p:nvPr>
+            <p:ph type="sldNum" sz="quarter" idx="12"/>
+          </p:nvPr>
+        </p:nvSpPr>
+        <p:spPr bwMode="auto">
+          <a:xfrm>
+            <a:off x="203200" y="6400800"/>
+            <a:ext cx="2133600" cy="365125"/>
+          </a:xfrm>
+          <a:noFill/>
+          <a:extLst>
+            <a:ext uri="{909E8E84-426E-40dd-AFC4-6F175D3DCCD1}">
+              <a14:hiddenFill xmlns:a14="http://schemas.microsoft.com/office/drawing/2010/main">
+                <a:solidFill>
+                  <a:srgbClr val="FFFFFF"/>
+                </a:solidFill>
+              </a14:hiddenFill>
+            </a:ext>
+            <a:ext uri="{91240B29-F687-4f45-9708-019B960494DF}">
+              <a14:hiddenLine xmlns:a14="http://schemas.microsoft.com/office/drawing/2010/main" w="9525">
+                <a:solidFill>
+                  <a:srgbClr val="000000"/>
+                </a:solidFill>
+                <a:miter lim="800000"/>
+                <a:headEnd/>
+                <a:tailEnd/>
+              </a14:hiddenLine>
+            </a:ext>
+          </a:extLst>
+        </p:spPr>
+        <p:txBody>
+          <a:bodyPr vert="horz" wrap="square" lIns="91440" tIns="45720" rIns="91440" bIns="45720" numCol="1" anchor="ctr" anchorCtr="0" compatLnSpc="1">
+            <a:prstTxWarp prst="textNoShape">
+              <a:avLst/>
+            </a:prstTxWarp>
+          </a:bodyPr>
+          <a:lstStyle>
+            <a:lvl1pPr eaLnBrk="0" hangingPunct="0">
+              <a:defRPr sz="2400">
+                <a:solidFill>
+                  <a:schemeClr val="tx1"/>
+                </a:solidFill>
+                <a:latin typeface="Trebuchet MS" charset="0"/>
+                <a:ea typeface="ＭＳ Ｐゴシック" charset="0"/>
+                <a:cs typeface="ＭＳ Ｐゴシック" charset="0"/>
+              </a:defRPr>
+            </a:lvl1pPr>
+            <a:lvl2pPr marL="742950" indent="-285750" eaLnBrk="0" hangingPunct="0">
+              <a:defRPr sz="2400">
+                <a:solidFill>
+                  <a:schemeClr val="tx1"/>
+                </a:solidFill>
+                <a:latin typeface="Trebuchet MS" charset="0"/>
+                <a:ea typeface="ＭＳ Ｐゴシック" charset="0"/>
+              </a:defRPr>
+            </a:lvl2pPr>
+            <a:lvl3pPr marL="1143000" indent="-228600" eaLnBrk="0" hangingPunct="0">
+              <a:defRPr sz="2400">
+                <a:solidFill>
+                  <a:schemeClr val="tx1"/>
+                </a:solidFill>
+                <a:latin typeface="Trebuchet MS" charset="0"/>
+                <a:ea typeface="ＭＳ Ｐゴシック" charset="0"/>
+              </a:defRPr>
+            </a:lvl3pPr>
+            <a:lvl4pPr marL="1600200" indent="-228600" eaLnBrk="0" hangingPunct="0">
+              <a:defRPr sz="2400">
+                <a:solidFill>
+                  <a:schemeClr val="tx1"/>
+                </a:solidFill>
+                <a:latin typeface="Trebuchet MS" charset="0"/>
+                <a:ea typeface="ＭＳ Ｐゴシック" charset="0"/>
+              </a:defRPr>
+            </a:lvl4pPr>
+            <a:lvl5pPr marL="2057400" indent="-228600" eaLnBrk="0" hangingPunct="0">
+              <a:defRPr sz="2400">
+                <a:solidFill>
+                  <a:schemeClr val="tx1"/>
+                </a:solidFill>
+                <a:latin typeface="Trebuchet MS" charset="0"/>
+                <a:ea typeface="ＭＳ Ｐゴシック" charset="0"/>
+              </a:defRPr>
+            </a:lvl5pPr>
+            <a:lvl6pPr marL="2514600" indent="-228600" eaLnBrk="0" fontAlgn="base" hangingPunct="0">
+              <a:spcBef>
+                <a:spcPct val="0"/>
+              </a:spcBef>
+              <a:spcAft>
+                <a:spcPct val="0"/>
+              </a:spcAft>
+              <a:defRPr sz="2400">
+                <a:solidFill>
+                  <a:schemeClr val="tx1"/>
+                </a:solidFill>
+                <a:latin typeface="Trebuchet MS" charset="0"/>
+                <a:ea typeface="ＭＳ Ｐゴシック" charset="0"/>
+              </a:defRPr>
+            </a:lvl6pPr>
+            <a:lvl7pPr marL="2971800" indent="-228600" eaLnBrk="0" fontAlgn="base" hangingPunct="0">
+              <a:spcBef>
+                <a:spcPct val="0"/>
+              </a:spcBef>
+              <a:spcAft>
+                <a:spcPct val="0"/>
+              </a:spcAft>
+              <a:defRPr sz="2400">
+                <a:solidFill>
+                  <a:schemeClr val="tx1"/>
+                </a:solidFill>
+                <a:latin typeface="Trebuchet MS" charset="0"/>
+                <a:ea typeface="ＭＳ Ｐゴシック" charset="0"/>
+              </a:defRPr>
+            </a:lvl7pPr>
+            <a:lvl8pPr marL="3429000" indent="-228600" eaLnBrk="0" fontAlgn="base" hangingPunct="0">
+              <a:spcBef>
+                <a:spcPct val="0"/>
+              </a:spcBef>
+              <a:spcAft>
+                <a:spcPct val="0"/>
+              </a:spcAft>
+              <a:defRPr sz="2400">
+                <a:solidFill>
+                  <a:schemeClr val="tx1"/>
+                </a:solidFill>
+                <a:latin typeface="Trebuchet MS" charset="0"/>
+                <a:ea typeface="ＭＳ Ｐゴシック" charset="0"/>
+              </a:defRPr>
+            </a:lvl8pPr>
+            <a:lvl9pPr marL="3886200" indent="-228600" eaLnBrk="0" fontAlgn="base" hangingPunct="0">
+              <a:spcBef>
+                <a:spcPct val="0"/>
+              </a:spcBef>
+              <a:spcAft>
+                <a:spcPct val="0"/>
+              </a:spcAft>
+              <a:defRPr sz="2400">
+                <a:solidFill>
+                  <a:schemeClr val="tx1"/>
+                </a:solidFill>
+                <a:latin typeface="Trebuchet MS" charset="0"/>
+                <a:ea typeface="ＭＳ Ｐゴシック" charset="0"/>
+              </a:defRPr>
+            </a:lvl9pPr>
+          </a:lstStyle>
+          <a:p>
+            <a:pPr algn="l" eaLnBrk="1" hangingPunct="1"/>
+            <a:r>
+              <a:rPr lang="en-US" sz="1200" b="1" dirty="0">
+                <a:solidFill>
+                  <a:srgbClr val="122956"/>
+                </a:solidFill>
+                <a:cs typeface="Trebuchet MS" charset="0"/>
+              </a:rPr>
+              <a:t>7</a:t>
+            </a:r>
+            <a:r>
+              <a:rPr lang="en-US" sz="1200" b="1" dirty="0" smtClean="0">
+                <a:solidFill>
+                  <a:srgbClr val="122956"/>
+                </a:solidFill>
+                <a:cs typeface="Trebuchet MS" charset="0"/>
+              </a:rPr>
+              <a:t>-</a:t>
+            </a:r>
+            <a:fld id="{31B56995-E14C-B64F-86C9-12D6DB74A41E}" type="slidenum">
+              <a:rPr lang="en-US" sz="1200" b="1">
+                <a:solidFill>
+                  <a:srgbClr val="122956"/>
+                </a:solidFill>
+                <a:cs typeface="Trebuchet MS" charset="0"/>
+              </a:rPr>
+              <a:pPr algn="l" eaLnBrk="1" hangingPunct="1"/>
+              <a:t>2</a:t>
+            </a:fld>
+            <a:endParaRPr lang="en-US" sz="1200" b="1" dirty="0">
+              <a:solidFill>
+                <a:srgbClr val="122956"/>
+              </a:solidFill>
+              <a:cs typeface="Trebuchet MS" charset="0"/>
+            </a:endParaRPr>
           </a:p>
         </p:txBody>
       </p:sp>
@@ -9016,6 +10405,195 @@
           </a:p>
         </p:txBody>
       </p:sp>
+      <p:sp>
+        <p:nvSpPr>
+          <p:cNvPr id="13" name="Slide Number Placeholder 5"/>
+          <p:cNvSpPr>
+            <a:spLocks noGrp="1"/>
+          </p:cNvSpPr>
+          <p:nvPr>
+            <p:ph type="sldNum" sz="quarter" idx="12"/>
+          </p:nvPr>
+        </p:nvSpPr>
+        <p:spPr bwMode="auto">
+          <a:xfrm>
+            <a:off x="203200" y="6400800"/>
+            <a:ext cx="2133600" cy="365125"/>
+          </a:xfrm>
+          <a:noFill/>
+          <a:extLst>
+            <a:ext uri="{909E8E84-426E-40dd-AFC4-6F175D3DCCD1}">
+              <a14:hiddenFill xmlns:a14="http://schemas.microsoft.com/office/drawing/2010/main">
+                <a:solidFill>
+                  <a:srgbClr val="FFFFFF"/>
+                </a:solidFill>
+              </a14:hiddenFill>
+            </a:ext>
+            <a:ext uri="{91240B29-F687-4f45-9708-019B960494DF}">
+              <a14:hiddenLine xmlns:a14="http://schemas.microsoft.com/office/drawing/2010/main" w="9525">
+                <a:solidFill>
+                  <a:srgbClr val="000000"/>
+                </a:solidFill>
+                <a:miter lim="800000"/>
+                <a:headEnd/>
+                <a:tailEnd/>
+              </a14:hiddenLine>
+            </a:ext>
+          </a:extLst>
+        </p:spPr>
+        <p:txBody>
+          <a:bodyPr vert="horz" wrap="square" lIns="91440" tIns="45720" rIns="91440" bIns="45720" numCol="1" anchor="ctr" anchorCtr="0" compatLnSpc="1">
+            <a:prstTxWarp prst="textNoShape">
+              <a:avLst/>
+            </a:prstTxWarp>
+          </a:bodyPr>
+          <a:lstStyle>
+            <a:lvl1pPr eaLnBrk="0" hangingPunct="0">
+              <a:defRPr sz="2400">
+                <a:solidFill>
+                  <a:schemeClr val="tx1"/>
+                </a:solidFill>
+                <a:latin typeface="Trebuchet MS" charset="0"/>
+                <a:ea typeface="ＭＳ Ｐゴシック" charset="0"/>
+                <a:cs typeface="ＭＳ Ｐゴシック" charset="0"/>
+              </a:defRPr>
+            </a:lvl1pPr>
+            <a:lvl2pPr marL="742950" indent="-285750" eaLnBrk="0" hangingPunct="0">
+              <a:defRPr sz="2400">
+                <a:solidFill>
+                  <a:schemeClr val="tx1"/>
+                </a:solidFill>
+                <a:latin typeface="Trebuchet MS" charset="0"/>
+                <a:ea typeface="ＭＳ Ｐゴシック" charset="0"/>
+              </a:defRPr>
+            </a:lvl2pPr>
+            <a:lvl3pPr marL="1143000" indent="-228600" eaLnBrk="0" hangingPunct="0">
+              <a:defRPr sz="2400">
+                <a:solidFill>
+                  <a:schemeClr val="tx1"/>
+                </a:solidFill>
+                <a:latin typeface="Trebuchet MS" charset="0"/>
+                <a:ea typeface="ＭＳ Ｐゴシック" charset="0"/>
+              </a:defRPr>
+            </a:lvl3pPr>
+            <a:lvl4pPr marL="1600200" indent="-228600" eaLnBrk="0" hangingPunct="0">
+              <a:defRPr sz="2400">
+                <a:solidFill>
+                  <a:schemeClr val="tx1"/>
+                </a:solidFill>
+                <a:latin typeface="Trebuchet MS" charset="0"/>
+                <a:ea typeface="ＭＳ Ｐゴシック" charset="0"/>
+              </a:defRPr>
+            </a:lvl4pPr>
+            <a:lvl5pPr marL="2057400" indent="-228600" eaLnBrk="0" hangingPunct="0">
+              <a:defRPr sz="2400">
+                <a:solidFill>
+                  <a:schemeClr val="tx1"/>
+                </a:solidFill>
+                <a:latin typeface="Trebuchet MS" charset="0"/>
+                <a:ea typeface="ＭＳ Ｐゴシック" charset="0"/>
+              </a:defRPr>
+            </a:lvl5pPr>
+            <a:lvl6pPr marL="2514600" indent="-228600" eaLnBrk="0" fontAlgn="base" hangingPunct="0">
+              <a:spcBef>
+                <a:spcPct val="0"/>
+              </a:spcBef>
+              <a:spcAft>
+                <a:spcPct val="0"/>
+              </a:spcAft>
+              <a:defRPr sz="2400">
+                <a:solidFill>
+                  <a:schemeClr val="tx1"/>
+                </a:solidFill>
+                <a:latin typeface="Trebuchet MS" charset="0"/>
+                <a:ea typeface="ＭＳ Ｐゴシック" charset="0"/>
+              </a:defRPr>
+            </a:lvl6pPr>
+            <a:lvl7pPr marL="2971800" indent="-228600" eaLnBrk="0" fontAlgn="base" hangingPunct="0">
+              <a:spcBef>
+                <a:spcPct val="0"/>
+              </a:spcBef>
+              <a:spcAft>
+                <a:spcPct val="0"/>
+              </a:spcAft>
+              <a:defRPr sz="2400">
+                <a:solidFill>
+                  <a:schemeClr val="tx1"/>
+                </a:solidFill>
+                <a:latin typeface="Trebuchet MS" charset="0"/>
+                <a:ea typeface="ＭＳ Ｐゴシック" charset="0"/>
+              </a:defRPr>
+            </a:lvl7pPr>
+            <a:lvl8pPr marL="3429000" indent="-228600" eaLnBrk="0" fontAlgn="base" hangingPunct="0">
+              <a:spcBef>
+                <a:spcPct val="0"/>
+              </a:spcBef>
+              <a:spcAft>
+                <a:spcPct val="0"/>
+              </a:spcAft>
+              <a:defRPr sz="2400">
+                <a:solidFill>
+                  <a:schemeClr val="tx1"/>
+                </a:solidFill>
+                <a:latin typeface="Trebuchet MS" charset="0"/>
+                <a:ea typeface="ＭＳ Ｐゴシック" charset="0"/>
+              </a:defRPr>
+            </a:lvl8pPr>
+            <a:lvl9pPr marL="3886200" indent="-228600" eaLnBrk="0" fontAlgn="base" hangingPunct="0">
+              <a:spcBef>
+                <a:spcPct val="0"/>
+              </a:spcBef>
+              <a:spcAft>
+                <a:spcPct val="0"/>
+              </a:spcAft>
+              <a:defRPr sz="2400">
+                <a:solidFill>
+                  <a:schemeClr val="tx1"/>
+                </a:solidFill>
+                <a:latin typeface="Trebuchet MS" charset="0"/>
+                <a:ea typeface="ＭＳ Ｐゴシック" charset="0"/>
+              </a:defRPr>
+            </a:lvl9pPr>
+          </a:lstStyle>
+          <a:p>
+            <a:pPr algn="l" eaLnBrk="1" hangingPunct="1"/>
+            <a:r>
+              <a:rPr lang="en-US" sz="1200" b="1" dirty="0">
+                <a:solidFill>
+                  <a:srgbClr val="122956"/>
+                </a:solidFill>
+                <a:cs typeface="Trebuchet MS" charset="0"/>
+              </a:rPr>
+              <a:t>7</a:t>
+            </a:r>
+            <a:r>
+              <a:rPr lang="en-US" sz="1200" b="1" dirty="0" smtClean="0">
+                <a:solidFill>
+                  <a:srgbClr val="122956"/>
+                </a:solidFill>
+                <a:cs typeface="Trebuchet MS" charset="0"/>
+              </a:rPr>
+              <a:t>-</a:t>
+            </a:r>
+            <a:fld id="{31B56995-E14C-B64F-86C9-12D6DB74A41E}" type="slidenum">
+              <a:rPr lang="en-US" sz="1200" b="1">
+                <a:solidFill>
+                  <a:srgbClr val="122956"/>
+                </a:solidFill>
+                <a:cs typeface="Trebuchet MS" charset="0"/>
+              </a:rPr>
+              <a:pPr algn="l" eaLnBrk="1" hangingPunct="1"/>
+              <a:t>3</a:t>
+            </a:fld>
+            <a:endParaRPr lang="en-US" sz="1200" b="1" dirty="0">
+              <a:solidFill>
+                <a:srgbClr val="122956"/>
+              </a:solidFill>
+              <a:cs typeface="Trebuchet MS" charset="0"/>
+            </a:endParaRPr>
+          </a:p>
+        </p:txBody>
+      </p:sp>
     </p:spTree>
     <p:extLst>
       <p:ext uri="{BB962C8B-B14F-4D97-AF65-F5344CB8AC3E}">
@@ -9312,6 +10890,195 @@
           </a:effectLst>
         </p:spPr>
       </p:pic>
+      <p:sp>
+        <p:nvSpPr>
+          <p:cNvPr id="5" name="Slide Number Placeholder 5"/>
+          <p:cNvSpPr>
+            <a:spLocks noGrp="1"/>
+          </p:cNvSpPr>
+          <p:nvPr>
+            <p:ph type="sldNum" sz="quarter" idx="12"/>
+          </p:nvPr>
+        </p:nvSpPr>
+        <p:spPr bwMode="auto">
+          <a:xfrm>
+            <a:off x="203200" y="6400800"/>
+            <a:ext cx="2133600" cy="365125"/>
+          </a:xfrm>
+          <a:noFill/>
+          <a:extLst>
+            <a:ext uri="{909E8E84-426E-40dd-AFC4-6F175D3DCCD1}">
+              <a14:hiddenFill xmlns:a14="http://schemas.microsoft.com/office/drawing/2010/main">
+                <a:solidFill>
+                  <a:srgbClr val="FFFFFF"/>
+                </a:solidFill>
+              </a14:hiddenFill>
+            </a:ext>
+            <a:ext uri="{91240B29-F687-4f45-9708-019B960494DF}">
+              <a14:hiddenLine xmlns:a14="http://schemas.microsoft.com/office/drawing/2010/main" w="9525">
+                <a:solidFill>
+                  <a:srgbClr val="000000"/>
+                </a:solidFill>
+                <a:miter lim="800000"/>
+                <a:headEnd/>
+                <a:tailEnd/>
+              </a14:hiddenLine>
+            </a:ext>
+          </a:extLst>
+        </p:spPr>
+        <p:txBody>
+          <a:bodyPr vert="horz" wrap="square" lIns="91440" tIns="45720" rIns="91440" bIns="45720" numCol="1" anchor="ctr" anchorCtr="0" compatLnSpc="1">
+            <a:prstTxWarp prst="textNoShape">
+              <a:avLst/>
+            </a:prstTxWarp>
+          </a:bodyPr>
+          <a:lstStyle>
+            <a:lvl1pPr eaLnBrk="0" hangingPunct="0">
+              <a:defRPr sz="2400">
+                <a:solidFill>
+                  <a:schemeClr val="tx1"/>
+                </a:solidFill>
+                <a:latin typeface="Trebuchet MS" charset="0"/>
+                <a:ea typeface="ＭＳ Ｐゴシック" charset="0"/>
+                <a:cs typeface="ＭＳ Ｐゴシック" charset="0"/>
+              </a:defRPr>
+            </a:lvl1pPr>
+            <a:lvl2pPr marL="742950" indent="-285750" eaLnBrk="0" hangingPunct="0">
+              <a:defRPr sz="2400">
+                <a:solidFill>
+                  <a:schemeClr val="tx1"/>
+                </a:solidFill>
+                <a:latin typeface="Trebuchet MS" charset="0"/>
+                <a:ea typeface="ＭＳ Ｐゴシック" charset="0"/>
+              </a:defRPr>
+            </a:lvl2pPr>
+            <a:lvl3pPr marL="1143000" indent="-228600" eaLnBrk="0" hangingPunct="0">
+              <a:defRPr sz="2400">
+                <a:solidFill>
+                  <a:schemeClr val="tx1"/>
+                </a:solidFill>
+                <a:latin typeface="Trebuchet MS" charset="0"/>
+                <a:ea typeface="ＭＳ Ｐゴシック" charset="0"/>
+              </a:defRPr>
+            </a:lvl3pPr>
+            <a:lvl4pPr marL="1600200" indent="-228600" eaLnBrk="0" hangingPunct="0">
+              <a:defRPr sz="2400">
+                <a:solidFill>
+                  <a:schemeClr val="tx1"/>
+                </a:solidFill>
+                <a:latin typeface="Trebuchet MS" charset="0"/>
+                <a:ea typeface="ＭＳ Ｐゴシック" charset="0"/>
+              </a:defRPr>
+            </a:lvl4pPr>
+            <a:lvl5pPr marL="2057400" indent="-228600" eaLnBrk="0" hangingPunct="0">
+              <a:defRPr sz="2400">
+                <a:solidFill>
+                  <a:schemeClr val="tx1"/>
+                </a:solidFill>
+                <a:latin typeface="Trebuchet MS" charset="0"/>
+                <a:ea typeface="ＭＳ Ｐゴシック" charset="0"/>
+              </a:defRPr>
+            </a:lvl5pPr>
+            <a:lvl6pPr marL="2514600" indent="-228600" eaLnBrk="0" fontAlgn="base" hangingPunct="0">
+              <a:spcBef>
+                <a:spcPct val="0"/>
+              </a:spcBef>
+              <a:spcAft>
+                <a:spcPct val="0"/>
+              </a:spcAft>
+              <a:defRPr sz="2400">
+                <a:solidFill>
+                  <a:schemeClr val="tx1"/>
+                </a:solidFill>
+                <a:latin typeface="Trebuchet MS" charset="0"/>
+                <a:ea typeface="ＭＳ Ｐゴシック" charset="0"/>
+              </a:defRPr>
+            </a:lvl6pPr>
+            <a:lvl7pPr marL="2971800" indent="-228600" eaLnBrk="0" fontAlgn="base" hangingPunct="0">
+              <a:spcBef>
+                <a:spcPct val="0"/>
+              </a:spcBef>
+              <a:spcAft>
+                <a:spcPct val="0"/>
+              </a:spcAft>
+              <a:defRPr sz="2400">
+                <a:solidFill>
+                  <a:schemeClr val="tx1"/>
+                </a:solidFill>
+                <a:latin typeface="Trebuchet MS" charset="0"/>
+                <a:ea typeface="ＭＳ Ｐゴシック" charset="0"/>
+              </a:defRPr>
+            </a:lvl7pPr>
+            <a:lvl8pPr marL="3429000" indent="-228600" eaLnBrk="0" fontAlgn="base" hangingPunct="0">
+              <a:spcBef>
+                <a:spcPct val="0"/>
+              </a:spcBef>
+              <a:spcAft>
+                <a:spcPct val="0"/>
+              </a:spcAft>
+              <a:defRPr sz="2400">
+                <a:solidFill>
+                  <a:schemeClr val="tx1"/>
+                </a:solidFill>
+                <a:latin typeface="Trebuchet MS" charset="0"/>
+                <a:ea typeface="ＭＳ Ｐゴシック" charset="0"/>
+              </a:defRPr>
+            </a:lvl8pPr>
+            <a:lvl9pPr marL="3886200" indent="-228600" eaLnBrk="0" fontAlgn="base" hangingPunct="0">
+              <a:spcBef>
+                <a:spcPct val="0"/>
+              </a:spcBef>
+              <a:spcAft>
+                <a:spcPct val="0"/>
+              </a:spcAft>
+              <a:defRPr sz="2400">
+                <a:solidFill>
+                  <a:schemeClr val="tx1"/>
+                </a:solidFill>
+                <a:latin typeface="Trebuchet MS" charset="0"/>
+                <a:ea typeface="ＭＳ Ｐゴシック" charset="0"/>
+              </a:defRPr>
+            </a:lvl9pPr>
+          </a:lstStyle>
+          <a:p>
+            <a:pPr algn="l" eaLnBrk="1" hangingPunct="1"/>
+            <a:r>
+              <a:rPr lang="en-US" sz="1200" b="1" dirty="0">
+                <a:solidFill>
+                  <a:srgbClr val="122956"/>
+                </a:solidFill>
+                <a:cs typeface="Trebuchet MS" charset="0"/>
+              </a:rPr>
+              <a:t>7</a:t>
+            </a:r>
+            <a:r>
+              <a:rPr lang="en-US" sz="1200" b="1" dirty="0" smtClean="0">
+                <a:solidFill>
+                  <a:srgbClr val="122956"/>
+                </a:solidFill>
+                <a:cs typeface="Trebuchet MS" charset="0"/>
+              </a:rPr>
+              <a:t>-</a:t>
+            </a:r>
+            <a:fld id="{31B56995-E14C-B64F-86C9-12D6DB74A41E}" type="slidenum">
+              <a:rPr lang="en-US" sz="1200" b="1">
+                <a:solidFill>
+                  <a:srgbClr val="122956"/>
+                </a:solidFill>
+                <a:cs typeface="Trebuchet MS" charset="0"/>
+              </a:rPr>
+              <a:pPr algn="l" eaLnBrk="1" hangingPunct="1"/>
+              <a:t>4</a:t>
+            </a:fld>
+            <a:endParaRPr lang="en-US" sz="1200" b="1" dirty="0">
+              <a:solidFill>
+                <a:srgbClr val="122956"/>
+              </a:solidFill>
+              <a:cs typeface="Trebuchet MS" charset="0"/>
+            </a:endParaRPr>
+          </a:p>
+        </p:txBody>
+      </p:sp>
     </p:spTree>
     <p:extLst>
       <p:ext uri="{BB962C8B-B14F-4D97-AF65-F5344CB8AC3E}">
@@ -9481,6 +11248,195 @@
           </a:p>
           <a:p>
             <a:endParaRPr lang="en-US" dirty="0"/>
+          </a:p>
+        </p:txBody>
+      </p:sp>
+      <p:sp>
+        <p:nvSpPr>
+          <p:cNvPr id="4" name="Slide Number Placeholder 5"/>
+          <p:cNvSpPr>
+            <a:spLocks noGrp="1"/>
+          </p:cNvSpPr>
+          <p:nvPr>
+            <p:ph type="sldNum" sz="quarter" idx="12"/>
+          </p:nvPr>
+        </p:nvSpPr>
+        <p:spPr bwMode="auto">
+          <a:xfrm>
+            <a:off x="203200" y="6400800"/>
+            <a:ext cx="2133600" cy="365125"/>
+          </a:xfrm>
+          <a:noFill/>
+          <a:extLst>
+            <a:ext uri="{909E8E84-426E-40dd-AFC4-6F175D3DCCD1}">
+              <a14:hiddenFill xmlns:a14="http://schemas.microsoft.com/office/drawing/2010/main">
+                <a:solidFill>
+                  <a:srgbClr val="FFFFFF"/>
+                </a:solidFill>
+              </a14:hiddenFill>
+            </a:ext>
+            <a:ext uri="{91240B29-F687-4f45-9708-019B960494DF}">
+              <a14:hiddenLine xmlns:a14="http://schemas.microsoft.com/office/drawing/2010/main" w="9525">
+                <a:solidFill>
+                  <a:srgbClr val="000000"/>
+                </a:solidFill>
+                <a:miter lim="800000"/>
+                <a:headEnd/>
+                <a:tailEnd/>
+              </a14:hiddenLine>
+            </a:ext>
+          </a:extLst>
+        </p:spPr>
+        <p:txBody>
+          <a:bodyPr vert="horz" wrap="square" lIns="91440" tIns="45720" rIns="91440" bIns="45720" numCol="1" anchor="ctr" anchorCtr="0" compatLnSpc="1">
+            <a:prstTxWarp prst="textNoShape">
+              <a:avLst/>
+            </a:prstTxWarp>
+          </a:bodyPr>
+          <a:lstStyle>
+            <a:lvl1pPr eaLnBrk="0" hangingPunct="0">
+              <a:defRPr sz="2400">
+                <a:solidFill>
+                  <a:schemeClr val="tx1"/>
+                </a:solidFill>
+                <a:latin typeface="Trebuchet MS" charset="0"/>
+                <a:ea typeface="ＭＳ Ｐゴシック" charset="0"/>
+                <a:cs typeface="ＭＳ Ｐゴシック" charset="0"/>
+              </a:defRPr>
+            </a:lvl1pPr>
+            <a:lvl2pPr marL="742950" indent="-285750" eaLnBrk="0" hangingPunct="0">
+              <a:defRPr sz="2400">
+                <a:solidFill>
+                  <a:schemeClr val="tx1"/>
+                </a:solidFill>
+                <a:latin typeface="Trebuchet MS" charset="0"/>
+                <a:ea typeface="ＭＳ Ｐゴシック" charset="0"/>
+              </a:defRPr>
+            </a:lvl2pPr>
+            <a:lvl3pPr marL="1143000" indent="-228600" eaLnBrk="0" hangingPunct="0">
+              <a:defRPr sz="2400">
+                <a:solidFill>
+                  <a:schemeClr val="tx1"/>
+                </a:solidFill>
+                <a:latin typeface="Trebuchet MS" charset="0"/>
+                <a:ea typeface="ＭＳ Ｐゴシック" charset="0"/>
+              </a:defRPr>
+            </a:lvl3pPr>
+            <a:lvl4pPr marL="1600200" indent="-228600" eaLnBrk="0" hangingPunct="0">
+              <a:defRPr sz="2400">
+                <a:solidFill>
+                  <a:schemeClr val="tx1"/>
+                </a:solidFill>
+                <a:latin typeface="Trebuchet MS" charset="0"/>
+                <a:ea typeface="ＭＳ Ｐゴシック" charset="0"/>
+              </a:defRPr>
+            </a:lvl4pPr>
+            <a:lvl5pPr marL="2057400" indent="-228600" eaLnBrk="0" hangingPunct="0">
+              <a:defRPr sz="2400">
+                <a:solidFill>
+                  <a:schemeClr val="tx1"/>
+                </a:solidFill>
+                <a:latin typeface="Trebuchet MS" charset="0"/>
+                <a:ea typeface="ＭＳ Ｐゴシック" charset="0"/>
+              </a:defRPr>
+            </a:lvl5pPr>
+            <a:lvl6pPr marL="2514600" indent="-228600" eaLnBrk="0" fontAlgn="base" hangingPunct="0">
+              <a:spcBef>
+                <a:spcPct val="0"/>
+              </a:spcBef>
+              <a:spcAft>
+                <a:spcPct val="0"/>
+              </a:spcAft>
+              <a:defRPr sz="2400">
+                <a:solidFill>
+                  <a:schemeClr val="tx1"/>
+                </a:solidFill>
+                <a:latin typeface="Trebuchet MS" charset="0"/>
+                <a:ea typeface="ＭＳ Ｐゴシック" charset="0"/>
+              </a:defRPr>
+            </a:lvl6pPr>
+            <a:lvl7pPr marL="2971800" indent="-228600" eaLnBrk="0" fontAlgn="base" hangingPunct="0">
+              <a:spcBef>
+                <a:spcPct val="0"/>
+              </a:spcBef>
+              <a:spcAft>
+                <a:spcPct val="0"/>
+              </a:spcAft>
+              <a:defRPr sz="2400">
+                <a:solidFill>
+                  <a:schemeClr val="tx1"/>
+                </a:solidFill>
+                <a:latin typeface="Trebuchet MS" charset="0"/>
+                <a:ea typeface="ＭＳ Ｐゴシック" charset="0"/>
+              </a:defRPr>
+            </a:lvl7pPr>
+            <a:lvl8pPr marL="3429000" indent="-228600" eaLnBrk="0" fontAlgn="base" hangingPunct="0">
+              <a:spcBef>
+                <a:spcPct val="0"/>
+              </a:spcBef>
+              <a:spcAft>
+                <a:spcPct val="0"/>
+              </a:spcAft>
+              <a:defRPr sz="2400">
+                <a:solidFill>
+                  <a:schemeClr val="tx1"/>
+                </a:solidFill>
+                <a:latin typeface="Trebuchet MS" charset="0"/>
+                <a:ea typeface="ＭＳ Ｐゴシック" charset="0"/>
+              </a:defRPr>
+            </a:lvl8pPr>
+            <a:lvl9pPr marL="3886200" indent="-228600" eaLnBrk="0" fontAlgn="base" hangingPunct="0">
+              <a:spcBef>
+                <a:spcPct val="0"/>
+              </a:spcBef>
+              <a:spcAft>
+                <a:spcPct val="0"/>
+              </a:spcAft>
+              <a:defRPr sz="2400">
+                <a:solidFill>
+                  <a:schemeClr val="tx1"/>
+                </a:solidFill>
+                <a:latin typeface="Trebuchet MS" charset="0"/>
+                <a:ea typeface="ＭＳ Ｐゴシック" charset="0"/>
+              </a:defRPr>
+            </a:lvl9pPr>
+          </a:lstStyle>
+          <a:p>
+            <a:pPr algn="l" eaLnBrk="1" hangingPunct="1"/>
+            <a:r>
+              <a:rPr lang="en-US" sz="1200" b="1" dirty="0">
+                <a:solidFill>
+                  <a:srgbClr val="122956"/>
+                </a:solidFill>
+                <a:cs typeface="Trebuchet MS" charset="0"/>
+              </a:rPr>
+              <a:t>7</a:t>
+            </a:r>
+            <a:r>
+              <a:rPr lang="en-US" sz="1200" b="1" dirty="0" smtClean="0">
+                <a:solidFill>
+                  <a:srgbClr val="122956"/>
+                </a:solidFill>
+                <a:cs typeface="Trebuchet MS" charset="0"/>
+              </a:rPr>
+              <a:t>-</a:t>
+            </a:r>
+            <a:fld id="{31B56995-E14C-B64F-86C9-12D6DB74A41E}" type="slidenum">
+              <a:rPr lang="en-US" sz="1200" b="1">
+                <a:solidFill>
+                  <a:srgbClr val="122956"/>
+                </a:solidFill>
+                <a:cs typeface="Trebuchet MS" charset="0"/>
+              </a:rPr>
+              <a:pPr algn="l" eaLnBrk="1" hangingPunct="1"/>
+              <a:t>5</a:t>
+            </a:fld>
+            <a:endParaRPr lang="en-US" sz="1200" b="1" dirty="0">
+              <a:solidFill>
+                <a:srgbClr val="122956"/>
+              </a:solidFill>
+              <a:cs typeface="Trebuchet MS" charset="0"/>
+            </a:endParaRPr>
           </a:p>
         </p:txBody>
       </p:sp>
@@ -9608,6 +11564,195 @@
           </a:p>
         </p:txBody>
       </p:sp>
+      <p:sp>
+        <p:nvSpPr>
+          <p:cNvPr id="4" name="Slide Number Placeholder 5"/>
+          <p:cNvSpPr>
+            <a:spLocks noGrp="1"/>
+          </p:cNvSpPr>
+          <p:nvPr>
+            <p:ph type="sldNum" sz="quarter" idx="12"/>
+          </p:nvPr>
+        </p:nvSpPr>
+        <p:spPr bwMode="auto">
+          <a:xfrm>
+            <a:off x="203200" y="6400800"/>
+            <a:ext cx="2133600" cy="365125"/>
+          </a:xfrm>
+          <a:noFill/>
+          <a:extLst>
+            <a:ext uri="{909E8E84-426E-40dd-AFC4-6F175D3DCCD1}">
+              <a14:hiddenFill xmlns:a14="http://schemas.microsoft.com/office/drawing/2010/main">
+                <a:solidFill>
+                  <a:srgbClr val="FFFFFF"/>
+                </a:solidFill>
+              </a14:hiddenFill>
+            </a:ext>
+            <a:ext uri="{91240B29-F687-4f45-9708-019B960494DF}">
+              <a14:hiddenLine xmlns:a14="http://schemas.microsoft.com/office/drawing/2010/main" w="9525">
+                <a:solidFill>
+                  <a:srgbClr val="000000"/>
+                </a:solidFill>
+                <a:miter lim="800000"/>
+                <a:headEnd/>
+                <a:tailEnd/>
+              </a14:hiddenLine>
+            </a:ext>
+          </a:extLst>
+        </p:spPr>
+        <p:txBody>
+          <a:bodyPr vert="horz" wrap="square" lIns="91440" tIns="45720" rIns="91440" bIns="45720" numCol="1" anchor="ctr" anchorCtr="0" compatLnSpc="1">
+            <a:prstTxWarp prst="textNoShape">
+              <a:avLst/>
+            </a:prstTxWarp>
+          </a:bodyPr>
+          <a:lstStyle>
+            <a:lvl1pPr eaLnBrk="0" hangingPunct="0">
+              <a:defRPr sz="2400">
+                <a:solidFill>
+                  <a:schemeClr val="tx1"/>
+                </a:solidFill>
+                <a:latin typeface="Trebuchet MS" charset="0"/>
+                <a:ea typeface="ＭＳ Ｐゴシック" charset="0"/>
+                <a:cs typeface="ＭＳ Ｐゴシック" charset="0"/>
+              </a:defRPr>
+            </a:lvl1pPr>
+            <a:lvl2pPr marL="742950" indent="-285750" eaLnBrk="0" hangingPunct="0">
+              <a:defRPr sz="2400">
+                <a:solidFill>
+                  <a:schemeClr val="tx1"/>
+                </a:solidFill>
+                <a:latin typeface="Trebuchet MS" charset="0"/>
+                <a:ea typeface="ＭＳ Ｐゴシック" charset="0"/>
+              </a:defRPr>
+            </a:lvl2pPr>
+            <a:lvl3pPr marL="1143000" indent="-228600" eaLnBrk="0" hangingPunct="0">
+              <a:defRPr sz="2400">
+                <a:solidFill>
+                  <a:schemeClr val="tx1"/>
+                </a:solidFill>
+                <a:latin typeface="Trebuchet MS" charset="0"/>
+                <a:ea typeface="ＭＳ Ｐゴシック" charset="0"/>
+              </a:defRPr>
+            </a:lvl3pPr>
+            <a:lvl4pPr marL="1600200" indent="-228600" eaLnBrk="0" hangingPunct="0">
+              <a:defRPr sz="2400">
+                <a:solidFill>
+                  <a:schemeClr val="tx1"/>
+                </a:solidFill>
+                <a:latin typeface="Trebuchet MS" charset="0"/>
+                <a:ea typeface="ＭＳ Ｐゴシック" charset="0"/>
+              </a:defRPr>
+            </a:lvl4pPr>
+            <a:lvl5pPr marL="2057400" indent="-228600" eaLnBrk="0" hangingPunct="0">
+              <a:defRPr sz="2400">
+                <a:solidFill>
+                  <a:schemeClr val="tx1"/>
+                </a:solidFill>
+                <a:latin typeface="Trebuchet MS" charset="0"/>
+                <a:ea typeface="ＭＳ Ｐゴシック" charset="0"/>
+              </a:defRPr>
+            </a:lvl5pPr>
+            <a:lvl6pPr marL="2514600" indent="-228600" eaLnBrk="0" fontAlgn="base" hangingPunct="0">
+              <a:spcBef>
+                <a:spcPct val="0"/>
+              </a:spcBef>
+              <a:spcAft>
+                <a:spcPct val="0"/>
+              </a:spcAft>
+              <a:defRPr sz="2400">
+                <a:solidFill>
+                  <a:schemeClr val="tx1"/>
+                </a:solidFill>
+                <a:latin typeface="Trebuchet MS" charset="0"/>
+                <a:ea typeface="ＭＳ Ｐゴシック" charset="0"/>
+              </a:defRPr>
+            </a:lvl6pPr>
+            <a:lvl7pPr marL="2971800" indent="-228600" eaLnBrk="0" fontAlgn="base" hangingPunct="0">
+              <a:spcBef>
+                <a:spcPct val="0"/>
+              </a:spcBef>
+              <a:spcAft>
+                <a:spcPct val="0"/>
+              </a:spcAft>
+              <a:defRPr sz="2400">
+                <a:solidFill>
+                  <a:schemeClr val="tx1"/>
+                </a:solidFill>
+                <a:latin typeface="Trebuchet MS" charset="0"/>
+                <a:ea typeface="ＭＳ Ｐゴシック" charset="0"/>
+              </a:defRPr>
+            </a:lvl7pPr>
+            <a:lvl8pPr marL="3429000" indent="-228600" eaLnBrk="0" fontAlgn="base" hangingPunct="0">
+              <a:spcBef>
+                <a:spcPct val="0"/>
+              </a:spcBef>
+              <a:spcAft>
+                <a:spcPct val="0"/>
+              </a:spcAft>
+              <a:defRPr sz="2400">
+                <a:solidFill>
+                  <a:schemeClr val="tx1"/>
+                </a:solidFill>
+                <a:latin typeface="Trebuchet MS" charset="0"/>
+                <a:ea typeface="ＭＳ Ｐゴシック" charset="0"/>
+              </a:defRPr>
+            </a:lvl8pPr>
+            <a:lvl9pPr marL="3886200" indent="-228600" eaLnBrk="0" fontAlgn="base" hangingPunct="0">
+              <a:spcBef>
+                <a:spcPct val="0"/>
+              </a:spcBef>
+              <a:spcAft>
+                <a:spcPct val="0"/>
+              </a:spcAft>
+              <a:defRPr sz="2400">
+                <a:solidFill>
+                  <a:schemeClr val="tx1"/>
+                </a:solidFill>
+                <a:latin typeface="Trebuchet MS" charset="0"/>
+                <a:ea typeface="ＭＳ Ｐゴシック" charset="0"/>
+              </a:defRPr>
+            </a:lvl9pPr>
+          </a:lstStyle>
+          <a:p>
+            <a:pPr algn="l" eaLnBrk="1" hangingPunct="1"/>
+            <a:r>
+              <a:rPr lang="en-US" sz="1200" b="1" dirty="0">
+                <a:solidFill>
+                  <a:srgbClr val="122956"/>
+                </a:solidFill>
+                <a:cs typeface="Trebuchet MS" charset="0"/>
+              </a:rPr>
+              <a:t>7</a:t>
+            </a:r>
+            <a:r>
+              <a:rPr lang="en-US" sz="1200" b="1" dirty="0" smtClean="0">
+                <a:solidFill>
+                  <a:srgbClr val="122956"/>
+                </a:solidFill>
+                <a:cs typeface="Trebuchet MS" charset="0"/>
+              </a:rPr>
+              <a:t>-</a:t>
+            </a:r>
+            <a:fld id="{31B56995-E14C-B64F-86C9-12D6DB74A41E}" type="slidenum">
+              <a:rPr lang="en-US" sz="1200" b="1">
+                <a:solidFill>
+                  <a:srgbClr val="122956"/>
+                </a:solidFill>
+                <a:cs typeface="Trebuchet MS" charset="0"/>
+              </a:rPr>
+              <a:pPr algn="l" eaLnBrk="1" hangingPunct="1"/>
+              <a:t>6</a:t>
+            </a:fld>
+            <a:endParaRPr lang="en-US" sz="1200" b="1" dirty="0">
+              <a:solidFill>
+                <a:srgbClr val="122956"/>
+              </a:solidFill>
+              <a:cs typeface="Trebuchet MS" charset="0"/>
+            </a:endParaRPr>
+          </a:p>
+        </p:txBody>
+      </p:sp>
     </p:spTree>
     <p:extLst>
       <p:ext uri="{BB962C8B-B14F-4D97-AF65-F5344CB8AC3E}">
@@ -10381,6 +12526,195 @@
           </a:p>
           <a:p>
             <a:endParaRPr lang="en-US" sz="2000" dirty="0"/>
+          </a:p>
+        </p:txBody>
+      </p:sp>
+      <p:sp>
+        <p:nvSpPr>
+          <p:cNvPr id="6" name="Slide Number Placeholder 5"/>
+          <p:cNvSpPr>
+            <a:spLocks noGrp="1"/>
+          </p:cNvSpPr>
+          <p:nvPr>
+            <p:ph type="sldNum" sz="quarter" idx="12"/>
+          </p:nvPr>
+        </p:nvSpPr>
+        <p:spPr bwMode="auto">
+          <a:xfrm>
+            <a:off x="203200" y="6400800"/>
+            <a:ext cx="2133600" cy="365125"/>
+          </a:xfrm>
+          <a:noFill/>
+          <a:extLst>
+            <a:ext uri="{909E8E84-426E-40dd-AFC4-6F175D3DCCD1}">
+              <a14:hiddenFill xmlns:a14="http://schemas.microsoft.com/office/drawing/2010/main">
+                <a:solidFill>
+                  <a:srgbClr val="FFFFFF"/>
+                </a:solidFill>
+              </a14:hiddenFill>
+            </a:ext>
+            <a:ext uri="{91240B29-F687-4f45-9708-019B960494DF}">
+              <a14:hiddenLine xmlns:a14="http://schemas.microsoft.com/office/drawing/2010/main" w="9525">
+                <a:solidFill>
+                  <a:srgbClr val="000000"/>
+                </a:solidFill>
+                <a:miter lim="800000"/>
+                <a:headEnd/>
+                <a:tailEnd/>
+              </a14:hiddenLine>
+            </a:ext>
+          </a:extLst>
+        </p:spPr>
+        <p:txBody>
+          <a:bodyPr vert="horz" wrap="square" lIns="91440" tIns="45720" rIns="91440" bIns="45720" numCol="1" anchor="ctr" anchorCtr="0" compatLnSpc="1">
+            <a:prstTxWarp prst="textNoShape">
+              <a:avLst/>
+            </a:prstTxWarp>
+          </a:bodyPr>
+          <a:lstStyle>
+            <a:lvl1pPr eaLnBrk="0" hangingPunct="0">
+              <a:defRPr sz="2400">
+                <a:solidFill>
+                  <a:schemeClr val="tx1"/>
+                </a:solidFill>
+                <a:latin typeface="Trebuchet MS" charset="0"/>
+                <a:ea typeface="ＭＳ Ｐゴシック" charset="0"/>
+                <a:cs typeface="ＭＳ Ｐゴシック" charset="0"/>
+              </a:defRPr>
+            </a:lvl1pPr>
+            <a:lvl2pPr marL="742950" indent="-285750" eaLnBrk="0" hangingPunct="0">
+              <a:defRPr sz="2400">
+                <a:solidFill>
+                  <a:schemeClr val="tx1"/>
+                </a:solidFill>
+                <a:latin typeface="Trebuchet MS" charset="0"/>
+                <a:ea typeface="ＭＳ Ｐゴシック" charset="0"/>
+              </a:defRPr>
+            </a:lvl2pPr>
+            <a:lvl3pPr marL="1143000" indent="-228600" eaLnBrk="0" hangingPunct="0">
+              <a:defRPr sz="2400">
+                <a:solidFill>
+                  <a:schemeClr val="tx1"/>
+                </a:solidFill>
+                <a:latin typeface="Trebuchet MS" charset="0"/>
+                <a:ea typeface="ＭＳ Ｐゴシック" charset="0"/>
+              </a:defRPr>
+            </a:lvl3pPr>
+            <a:lvl4pPr marL="1600200" indent="-228600" eaLnBrk="0" hangingPunct="0">
+              <a:defRPr sz="2400">
+                <a:solidFill>
+                  <a:schemeClr val="tx1"/>
+                </a:solidFill>
+                <a:latin typeface="Trebuchet MS" charset="0"/>
+                <a:ea typeface="ＭＳ Ｐゴシック" charset="0"/>
+              </a:defRPr>
+            </a:lvl4pPr>
+            <a:lvl5pPr marL="2057400" indent="-228600" eaLnBrk="0" hangingPunct="0">
+              <a:defRPr sz="2400">
+                <a:solidFill>
+                  <a:schemeClr val="tx1"/>
+                </a:solidFill>
+                <a:latin typeface="Trebuchet MS" charset="0"/>
+                <a:ea typeface="ＭＳ Ｐゴシック" charset="0"/>
+              </a:defRPr>
+            </a:lvl5pPr>
+            <a:lvl6pPr marL="2514600" indent="-228600" eaLnBrk="0" fontAlgn="base" hangingPunct="0">
+              <a:spcBef>
+                <a:spcPct val="0"/>
+              </a:spcBef>
+              <a:spcAft>
+                <a:spcPct val="0"/>
+              </a:spcAft>
+              <a:defRPr sz="2400">
+                <a:solidFill>
+                  <a:schemeClr val="tx1"/>
+                </a:solidFill>
+                <a:latin typeface="Trebuchet MS" charset="0"/>
+                <a:ea typeface="ＭＳ Ｐゴシック" charset="0"/>
+              </a:defRPr>
+            </a:lvl6pPr>
+            <a:lvl7pPr marL="2971800" indent="-228600" eaLnBrk="0" fontAlgn="base" hangingPunct="0">
+              <a:spcBef>
+                <a:spcPct val="0"/>
+              </a:spcBef>
+              <a:spcAft>
+                <a:spcPct val="0"/>
+              </a:spcAft>
+              <a:defRPr sz="2400">
+                <a:solidFill>
+                  <a:schemeClr val="tx1"/>
+                </a:solidFill>
+                <a:latin typeface="Trebuchet MS" charset="0"/>
+                <a:ea typeface="ＭＳ Ｐゴシック" charset="0"/>
+              </a:defRPr>
+            </a:lvl7pPr>
+            <a:lvl8pPr marL="3429000" indent="-228600" eaLnBrk="0" fontAlgn="base" hangingPunct="0">
+              <a:spcBef>
+                <a:spcPct val="0"/>
+              </a:spcBef>
+              <a:spcAft>
+                <a:spcPct val="0"/>
+              </a:spcAft>
+              <a:defRPr sz="2400">
+                <a:solidFill>
+                  <a:schemeClr val="tx1"/>
+                </a:solidFill>
+                <a:latin typeface="Trebuchet MS" charset="0"/>
+                <a:ea typeface="ＭＳ Ｐゴシック" charset="0"/>
+              </a:defRPr>
+            </a:lvl8pPr>
+            <a:lvl9pPr marL="3886200" indent="-228600" eaLnBrk="0" fontAlgn="base" hangingPunct="0">
+              <a:spcBef>
+                <a:spcPct val="0"/>
+              </a:spcBef>
+              <a:spcAft>
+                <a:spcPct val="0"/>
+              </a:spcAft>
+              <a:defRPr sz="2400">
+                <a:solidFill>
+                  <a:schemeClr val="tx1"/>
+                </a:solidFill>
+                <a:latin typeface="Trebuchet MS" charset="0"/>
+                <a:ea typeface="ＭＳ Ｐゴシック" charset="0"/>
+              </a:defRPr>
+            </a:lvl9pPr>
+          </a:lstStyle>
+          <a:p>
+            <a:pPr algn="l" eaLnBrk="1" hangingPunct="1"/>
+            <a:r>
+              <a:rPr lang="en-US" sz="1200" b="1" dirty="0">
+                <a:solidFill>
+                  <a:srgbClr val="122956"/>
+                </a:solidFill>
+                <a:cs typeface="Trebuchet MS" charset="0"/>
+              </a:rPr>
+              <a:t>7</a:t>
+            </a:r>
+            <a:r>
+              <a:rPr lang="en-US" sz="1200" b="1" dirty="0" smtClean="0">
+                <a:solidFill>
+                  <a:srgbClr val="122956"/>
+                </a:solidFill>
+                <a:cs typeface="Trebuchet MS" charset="0"/>
+              </a:rPr>
+              <a:t>-</a:t>
+            </a:r>
+            <a:fld id="{31B56995-E14C-B64F-86C9-12D6DB74A41E}" type="slidenum">
+              <a:rPr lang="en-US" sz="1200" b="1">
+                <a:solidFill>
+                  <a:srgbClr val="122956"/>
+                </a:solidFill>
+                <a:cs typeface="Trebuchet MS" charset="0"/>
+              </a:rPr>
+              <a:pPr algn="l" eaLnBrk="1" hangingPunct="1"/>
+              <a:t>7</a:t>
+            </a:fld>
+            <a:endParaRPr lang="en-US" sz="1200" b="1" dirty="0">
+              <a:solidFill>
+                <a:srgbClr val="122956"/>
+              </a:solidFill>
+              <a:cs typeface="Trebuchet MS" charset="0"/>
+            </a:endParaRPr>
           </a:p>
         </p:txBody>
       </p:sp>
@@ -10645,6 +12979,195 @@
           </a:effectLst>
         </p:spPr>
       </p:pic>
+      <p:sp>
+        <p:nvSpPr>
+          <p:cNvPr id="6" name="Slide Number Placeholder 5"/>
+          <p:cNvSpPr>
+            <a:spLocks noGrp="1"/>
+          </p:cNvSpPr>
+          <p:nvPr>
+            <p:ph type="sldNum" sz="quarter" idx="12"/>
+          </p:nvPr>
+        </p:nvSpPr>
+        <p:spPr bwMode="auto">
+          <a:xfrm>
+            <a:off x="203200" y="6400800"/>
+            <a:ext cx="2133600" cy="365125"/>
+          </a:xfrm>
+          <a:noFill/>
+          <a:extLst>
+            <a:ext uri="{909E8E84-426E-40dd-AFC4-6F175D3DCCD1}">
+              <a14:hiddenFill xmlns:a14="http://schemas.microsoft.com/office/drawing/2010/main">
+                <a:solidFill>
+                  <a:srgbClr val="FFFFFF"/>
+                </a:solidFill>
+              </a14:hiddenFill>
+            </a:ext>
+            <a:ext uri="{91240B29-F687-4f45-9708-019B960494DF}">
+              <a14:hiddenLine xmlns:a14="http://schemas.microsoft.com/office/drawing/2010/main" w="9525">
+                <a:solidFill>
+                  <a:srgbClr val="000000"/>
+                </a:solidFill>
+                <a:miter lim="800000"/>
+                <a:headEnd/>
+                <a:tailEnd/>
+              </a14:hiddenLine>
+            </a:ext>
+          </a:extLst>
+        </p:spPr>
+        <p:txBody>
+          <a:bodyPr vert="horz" wrap="square" lIns="91440" tIns="45720" rIns="91440" bIns="45720" numCol="1" anchor="ctr" anchorCtr="0" compatLnSpc="1">
+            <a:prstTxWarp prst="textNoShape">
+              <a:avLst/>
+            </a:prstTxWarp>
+          </a:bodyPr>
+          <a:lstStyle>
+            <a:lvl1pPr eaLnBrk="0" hangingPunct="0">
+              <a:defRPr sz="2400">
+                <a:solidFill>
+                  <a:schemeClr val="tx1"/>
+                </a:solidFill>
+                <a:latin typeface="Trebuchet MS" charset="0"/>
+                <a:ea typeface="ＭＳ Ｐゴシック" charset="0"/>
+                <a:cs typeface="ＭＳ Ｐゴシック" charset="0"/>
+              </a:defRPr>
+            </a:lvl1pPr>
+            <a:lvl2pPr marL="742950" indent="-285750" eaLnBrk="0" hangingPunct="0">
+              <a:defRPr sz="2400">
+                <a:solidFill>
+                  <a:schemeClr val="tx1"/>
+                </a:solidFill>
+                <a:latin typeface="Trebuchet MS" charset="0"/>
+                <a:ea typeface="ＭＳ Ｐゴシック" charset="0"/>
+              </a:defRPr>
+            </a:lvl2pPr>
+            <a:lvl3pPr marL="1143000" indent="-228600" eaLnBrk="0" hangingPunct="0">
+              <a:defRPr sz="2400">
+                <a:solidFill>
+                  <a:schemeClr val="tx1"/>
+                </a:solidFill>
+                <a:latin typeface="Trebuchet MS" charset="0"/>
+                <a:ea typeface="ＭＳ Ｐゴシック" charset="0"/>
+              </a:defRPr>
+            </a:lvl3pPr>
+            <a:lvl4pPr marL="1600200" indent="-228600" eaLnBrk="0" hangingPunct="0">
+              <a:defRPr sz="2400">
+                <a:solidFill>
+                  <a:schemeClr val="tx1"/>
+                </a:solidFill>
+                <a:latin typeface="Trebuchet MS" charset="0"/>
+                <a:ea typeface="ＭＳ Ｐゴシック" charset="0"/>
+              </a:defRPr>
+            </a:lvl4pPr>
+            <a:lvl5pPr marL="2057400" indent="-228600" eaLnBrk="0" hangingPunct="0">
+              <a:defRPr sz="2400">
+                <a:solidFill>
+                  <a:schemeClr val="tx1"/>
+                </a:solidFill>
+                <a:latin typeface="Trebuchet MS" charset="0"/>
+                <a:ea typeface="ＭＳ Ｐゴシック" charset="0"/>
+              </a:defRPr>
+            </a:lvl5pPr>
+            <a:lvl6pPr marL="2514600" indent="-228600" eaLnBrk="0" fontAlgn="base" hangingPunct="0">
+              <a:spcBef>
+                <a:spcPct val="0"/>
+              </a:spcBef>
+              <a:spcAft>
+                <a:spcPct val="0"/>
+              </a:spcAft>
+              <a:defRPr sz="2400">
+                <a:solidFill>
+                  <a:schemeClr val="tx1"/>
+                </a:solidFill>
+                <a:latin typeface="Trebuchet MS" charset="0"/>
+                <a:ea typeface="ＭＳ Ｐゴシック" charset="0"/>
+              </a:defRPr>
+            </a:lvl6pPr>
+            <a:lvl7pPr marL="2971800" indent="-228600" eaLnBrk="0" fontAlgn="base" hangingPunct="0">
+              <a:spcBef>
+                <a:spcPct val="0"/>
+              </a:spcBef>
+              <a:spcAft>
+                <a:spcPct val="0"/>
+              </a:spcAft>
+              <a:defRPr sz="2400">
+                <a:solidFill>
+                  <a:schemeClr val="tx1"/>
+                </a:solidFill>
+                <a:latin typeface="Trebuchet MS" charset="0"/>
+                <a:ea typeface="ＭＳ Ｐゴシック" charset="0"/>
+              </a:defRPr>
+            </a:lvl7pPr>
+            <a:lvl8pPr marL="3429000" indent="-228600" eaLnBrk="0" fontAlgn="base" hangingPunct="0">
+              <a:spcBef>
+                <a:spcPct val="0"/>
+              </a:spcBef>
+              <a:spcAft>
+                <a:spcPct val="0"/>
+              </a:spcAft>
+              <a:defRPr sz="2400">
+                <a:solidFill>
+                  <a:schemeClr val="tx1"/>
+                </a:solidFill>
+                <a:latin typeface="Trebuchet MS" charset="0"/>
+                <a:ea typeface="ＭＳ Ｐゴシック" charset="0"/>
+              </a:defRPr>
+            </a:lvl8pPr>
+            <a:lvl9pPr marL="3886200" indent="-228600" eaLnBrk="0" fontAlgn="base" hangingPunct="0">
+              <a:spcBef>
+                <a:spcPct val="0"/>
+              </a:spcBef>
+              <a:spcAft>
+                <a:spcPct val="0"/>
+              </a:spcAft>
+              <a:defRPr sz="2400">
+                <a:solidFill>
+                  <a:schemeClr val="tx1"/>
+                </a:solidFill>
+                <a:latin typeface="Trebuchet MS" charset="0"/>
+                <a:ea typeface="ＭＳ Ｐゴシック" charset="0"/>
+              </a:defRPr>
+            </a:lvl9pPr>
+          </a:lstStyle>
+          <a:p>
+            <a:pPr algn="l" eaLnBrk="1" hangingPunct="1"/>
+            <a:r>
+              <a:rPr lang="en-US" sz="1200" b="1" dirty="0">
+                <a:solidFill>
+                  <a:srgbClr val="122956"/>
+                </a:solidFill>
+                <a:cs typeface="Trebuchet MS" charset="0"/>
+              </a:rPr>
+              <a:t>7</a:t>
+            </a:r>
+            <a:r>
+              <a:rPr lang="en-US" sz="1200" b="1" dirty="0" smtClean="0">
+                <a:solidFill>
+                  <a:srgbClr val="122956"/>
+                </a:solidFill>
+                <a:cs typeface="Trebuchet MS" charset="0"/>
+              </a:rPr>
+              <a:t>-</a:t>
+            </a:r>
+            <a:fld id="{31B56995-E14C-B64F-86C9-12D6DB74A41E}" type="slidenum">
+              <a:rPr lang="en-US" sz="1200" b="1">
+                <a:solidFill>
+                  <a:srgbClr val="122956"/>
+                </a:solidFill>
+                <a:cs typeface="Trebuchet MS" charset="0"/>
+              </a:rPr>
+              <a:pPr algn="l" eaLnBrk="1" hangingPunct="1"/>
+              <a:t>8</a:t>
+            </a:fld>
+            <a:endParaRPr lang="en-US" sz="1200" b="1" dirty="0">
+              <a:solidFill>
+                <a:srgbClr val="122956"/>
+              </a:solidFill>
+              <a:cs typeface="Trebuchet MS" charset="0"/>
+            </a:endParaRPr>
+          </a:p>
+        </p:txBody>
+      </p:sp>
     </p:spTree>
     <p:extLst>
       <p:ext uri="{BB962C8B-B14F-4D97-AF65-F5344CB8AC3E}">
@@ -10827,6 +13350,195 @@
           </a:p>
           <a:p>
             <a:endParaRPr lang="en-US" dirty="0"/>
+          </a:p>
+        </p:txBody>
+      </p:sp>
+      <p:sp>
+        <p:nvSpPr>
+          <p:cNvPr id="4" name="Slide Number Placeholder 5"/>
+          <p:cNvSpPr>
+            <a:spLocks noGrp="1"/>
+          </p:cNvSpPr>
+          <p:nvPr>
+            <p:ph type="sldNum" sz="quarter" idx="12"/>
+          </p:nvPr>
+        </p:nvSpPr>
+        <p:spPr bwMode="auto">
+          <a:xfrm>
+            <a:off x="203200" y="6400800"/>
+            <a:ext cx="2133600" cy="365125"/>
+          </a:xfrm>
+          <a:noFill/>
+          <a:extLst>
+            <a:ext uri="{909E8E84-426E-40dd-AFC4-6F175D3DCCD1}">
+              <a14:hiddenFill xmlns:a14="http://schemas.microsoft.com/office/drawing/2010/main">
+                <a:solidFill>
+                  <a:srgbClr val="FFFFFF"/>
+                </a:solidFill>
+              </a14:hiddenFill>
+            </a:ext>
+            <a:ext uri="{91240B29-F687-4f45-9708-019B960494DF}">
+              <a14:hiddenLine xmlns:a14="http://schemas.microsoft.com/office/drawing/2010/main" w="9525">
+                <a:solidFill>
+                  <a:srgbClr val="000000"/>
+                </a:solidFill>
+                <a:miter lim="800000"/>
+                <a:headEnd/>
+                <a:tailEnd/>
+              </a14:hiddenLine>
+            </a:ext>
+          </a:extLst>
+        </p:spPr>
+        <p:txBody>
+          <a:bodyPr vert="horz" wrap="square" lIns="91440" tIns="45720" rIns="91440" bIns="45720" numCol="1" anchor="ctr" anchorCtr="0" compatLnSpc="1">
+            <a:prstTxWarp prst="textNoShape">
+              <a:avLst/>
+            </a:prstTxWarp>
+          </a:bodyPr>
+          <a:lstStyle>
+            <a:lvl1pPr eaLnBrk="0" hangingPunct="0">
+              <a:defRPr sz="2400">
+                <a:solidFill>
+                  <a:schemeClr val="tx1"/>
+                </a:solidFill>
+                <a:latin typeface="Trebuchet MS" charset="0"/>
+                <a:ea typeface="ＭＳ Ｐゴシック" charset="0"/>
+                <a:cs typeface="ＭＳ Ｐゴシック" charset="0"/>
+              </a:defRPr>
+            </a:lvl1pPr>
+            <a:lvl2pPr marL="742950" indent="-285750" eaLnBrk="0" hangingPunct="0">
+              <a:defRPr sz="2400">
+                <a:solidFill>
+                  <a:schemeClr val="tx1"/>
+                </a:solidFill>
+                <a:latin typeface="Trebuchet MS" charset="0"/>
+                <a:ea typeface="ＭＳ Ｐゴシック" charset="0"/>
+              </a:defRPr>
+            </a:lvl2pPr>
+            <a:lvl3pPr marL="1143000" indent="-228600" eaLnBrk="0" hangingPunct="0">
+              <a:defRPr sz="2400">
+                <a:solidFill>
+                  <a:schemeClr val="tx1"/>
+                </a:solidFill>
+                <a:latin typeface="Trebuchet MS" charset="0"/>
+                <a:ea typeface="ＭＳ Ｐゴシック" charset="0"/>
+              </a:defRPr>
+            </a:lvl3pPr>
+            <a:lvl4pPr marL="1600200" indent="-228600" eaLnBrk="0" hangingPunct="0">
+              <a:defRPr sz="2400">
+                <a:solidFill>
+                  <a:schemeClr val="tx1"/>
+                </a:solidFill>
+                <a:latin typeface="Trebuchet MS" charset="0"/>
+                <a:ea typeface="ＭＳ Ｐゴシック" charset="0"/>
+              </a:defRPr>
+            </a:lvl4pPr>
+            <a:lvl5pPr marL="2057400" indent="-228600" eaLnBrk="0" hangingPunct="0">
+              <a:defRPr sz="2400">
+                <a:solidFill>
+                  <a:schemeClr val="tx1"/>
+                </a:solidFill>
+                <a:latin typeface="Trebuchet MS" charset="0"/>
+                <a:ea typeface="ＭＳ Ｐゴシック" charset="0"/>
+              </a:defRPr>
+            </a:lvl5pPr>
+            <a:lvl6pPr marL="2514600" indent="-228600" eaLnBrk="0" fontAlgn="base" hangingPunct="0">
+              <a:spcBef>
+                <a:spcPct val="0"/>
+              </a:spcBef>
+              <a:spcAft>
+                <a:spcPct val="0"/>
+              </a:spcAft>
+              <a:defRPr sz="2400">
+                <a:solidFill>
+                  <a:schemeClr val="tx1"/>
+                </a:solidFill>
+                <a:latin typeface="Trebuchet MS" charset="0"/>
+                <a:ea typeface="ＭＳ Ｐゴシック" charset="0"/>
+              </a:defRPr>
+            </a:lvl6pPr>
+            <a:lvl7pPr marL="2971800" indent="-228600" eaLnBrk="0" fontAlgn="base" hangingPunct="0">
+              <a:spcBef>
+                <a:spcPct val="0"/>
+              </a:spcBef>
+              <a:spcAft>
+                <a:spcPct val="0"/>
+              </a:spcAft>
+              <a:defRPr sz="2400">
+                <a:solidFill>
+                  <a:schemeClr val="tx1"/>
+                </a:solidFill>
+                <a:latin typeface="Trebuchet MS" charset="0"/>
+                <a:ea typeface="ＭＳ Ｐゴシック" charset="0"/>
+              </a:defRPr>
+            </a:lvl7pPr>
+            <a:lvl8pPr marL="3429000" indent="-228600" eaLnBrk="0" fontAlgn="base" hangingPunct="0">
+              <a:spcBef>
+                <a:spcPct val="0"/>
+              </a:spcBef>
+              <a:spcAft>
+                <a:spcPct val="0"/>
+              </a:spcAft>
+              <a:defRPr sz="2400">
+                <a:solidFill>
+                  <a:schemeClr val="tx1"/>
+                </a:solidFill>
+                <a:latin typeface="Trebuchet MS" charset="0"/>
+                <a:ea typeface="ＭＳ Ｐゴシック" charset="0"/>
+              </a:defRPr>
+            </a:lvl8pPr>
+            <a:lvl9pPr marL="3886200" indent="-228600" eaLnBrk="0" fontAlgn="base" hangingPunct="0">
+              <a:spcBef>
+                <a:spcPct val="0"/>
+              </a:spcBef>
+              <a:spcAft>
+                <a:spcPct val="0"/>
+              </a:spcAft>
+              <a:defRPr sz="2400">
+                <a:solidFill>
+                  <a:schemeClr val="tx1"/>
+                </a:solidFill>
+                <a:latin typeface="Trebuchet MS" charset="0"/>
+                <a:ea typeface="ＭＳ Ｐゴシック" charset="0"/>
+              </a:defRPr>
+            </a:lvl9pPr>
+          </a:lstStyle>
+          <a:p>
+            <a:pPr algn="l" eaLnBrk="1" hangingPunct="1"/>
+            <a:r>
+              <a:rPr lang="en-US" sz="1200" b="1" dirty="0">
+                <a:solidFill>
+                  <a:srgbClr val="122956"/>
+                </a:solidFill>
+                <a:cs typeface="Trebuchet MS" charset="0"/>
+              </a:rPr>
+              <a:t>7</a:t>
+            </a:r>
+            <a:r>
+              <a:rPr lang="en-US" sz="1200" b="1" dirty="0" smtClean="0">
+                <a:solidFill>
+                  <a:srgbClr val="122956"/>
+                </a:solidFill>
+                <a:cs typeface="Trebuchet MS" charset="0"/>
+              </a:rPr>
+              <a:t>-</a:t>
+            </a:r>
+            <a:fld id="{31B56995-E14C-B64F-86C9-12D6DB74A41E}" type="slidenum">
+              <a:rPr lang="en-US" sz="1200" b="1">
+                <a:solidFill>
+                  <a:srgbClr val="122956"/>
+                </a:solidFill>
+                <a:cs typeface="Trebuchet MS" charset="0"/>
+              </a:rPr>
+              <a:pPr algn="l" eaLnBrk="1" hangingPunct="1"/>
+              <a:t>9</a:t>
+            </a:fld>
+            <a:endParaRPr lang="en-US" sz="1200" b="1" dirty="0">
+              <a:solidFill>
+                <a:srgbClr val="122956"/>
+              </a:solidFill>
+              <a:cs typeface="Trebuchet MS" charset="0"/>
+            </a:endParaRPr>
           </a:p>
         </p:txBody>
       </p:sp>

--- a/335.pptx
+++ b/335.pptx
@@ -248,7 +248,7 @@
               <a:pPr>
                 <a:defRPr/>
               </a:pPr>
-              <a:t>8/19/11</a:t>
+              <a:t>9/27/11</a:t>
             </a:fld>
             <a:endParaRPr lang="en-US"/>
           </a:p>
@@ -431,7 +431,7 @@
               <a:pPr>
                 <a:defRPr/>
               </a:pPr>
-              <a:t>8/19/11</a:t>
+              <a:t>9/27/11</a:t>
             </a:fld>
             <a:endParaRPr lang="en-US"/>
           </a:p>
@@ -3410,7 +3410,7 @@
               <a:pPr>
                 <a:defRPr/>
               </a:pPr>
-              <a:t>8/19/11</a:t>
+              <a:t>9/27/11</a:t>
             </a:fld>
             <a:endParaRPr lang="en-US"/>
           </a:p>
@@ -3790,7 +3790,7 @@
               <a:pPr>
                 <a:defRPr/>
               </a:pPr>
-              <a:t>8/19/11</a:t>
+              <a:t>9/27/11</a:t>
             </a:fld>
             <a:endParaRPr lang="en-US"/>
           </a:p>
@@ -4352,7 +4352,7 @@
               <a:pPr>
                 <a:defRPr/>
               </a:pPr>
-              <a:t>8/19/11</a:t>
+              <a:t>9/27/11</a:t>
             </a:fld>
             <a:endParaRPr lang="en-US"/>
           </a:p>
@@ -4962,7 +4962,7 @@
               <a:pPr>
                 <a:defRPr/>
               </a:pPr>
-              <a:t>8/19/11</a:t>
+              <a:t>9/27/11</a:t>
             </a:fld>
             <a:endParaRPr lang="en-US"/>
           </a:p>
@@ -5084,7 +5084,7 @@
               <a:pPr>
                 <a:defRPr/>
               </a:pPr>
-              <a:t>8/19/11</a:t>
+              <a:t>9/27/11</a:t>
             </a:fld>
             <a:endParaRPr lang="en-US"/>
           </a:p>
@@ -5371,7 +5371,7 @@
               <a:pPr>
                 <a:defRPr/>
               </a:pPr>
-              <a:t>8/19/11</a:t>
+              <a:t>9/27/11</a:t>
             </a:fld>
             <a:endParaRPr lang="en-US"/>
           </a:p>
@@ -7012,22 +7012,13 @@
           <a:p>
             <a:pPr algn="l" eaLnBrk="1" hangingPunct="1"/>
             <a:r>
-              <a:rPr lang="en-US" sz="1200" b="1" dirty="0">
+              <a:rPr lang="en-US" sz="1200" b="1" dirty="0" smtClean="0">
                 <a:solidFill>
                   <a:srgbClr val="122956"/>
                 </a:solidFill>
                 <a:cs typeface="Trebuchet MS" charset="0"/>
               </a:rPr>
-              <a:t>7</a:t>
-            </a:r>
-            <a:r>
-              <a:rPr lang="en-US" sz="1200" b="1" dirty="0" smtClean="0">
-                <a:solidFill>
-                  <a:srgbClr val="122956"/>
-                </a:solidFill>
-                <a:cs typeface="Trebuchet MS" charset="0"/>
-              </a:rPr>
-              <a:t>-</a:t>
+              <a:t>SV-</a:t>
             </a:r>
             <a:fld id="{31B56995-E14C-B64F-86C9-12D6DB74A41E}" type="slidenum">
               <a:rPr lang="en-US" sz="1200" b="1">
@@ -7305,16 +7296,7 @@
                 </a:solidFill>
                 <a:cs typeface="Trebuchet MS" charset="0"/>
               </a:rPr>
-              <a:t>7</a:t>
-            </a:r>
-            <a:r>
-              <a:rPr lang="en-US" sz="1200" b="1" dirty="0" smtClean="0">
-                <a:solidFill>
-                  <a:srgbClr val="122956"/>
-                </a:solidFill>
-                <a:cs typeface="Trebuchet MS" charset="0"/>
-              </a:rPr>
-              <a:t>-</a:t>
+              <a:t>SV-</a:t>
             </a:r>
             <a:fld id="{31B56995-E14C-B64F-86C9-12D6DB74A41E}" type="slidenum">
               <a:rPr lang="en-US" sz="1200" b="1">
@@ -8263,16 +8245,7 @@
                 </a:solidFill>
                 <a:cs typeface="Trebuchet MS" charset="0"/>
               </a:rPr>
-              <a:t>7</a:t>
-            </a:r>
-            <a:r>
-              <a:rPr lang="en-US" sz="1200" b="1" dirty="0" smtClean="0">
-                <a:solidFill>
-                  <a:srgbClr val="122956"/>
-                </a:solidFill>
-                <a:cs typeface="Trebuchet MS" charset="0"/>
-              </a:rPr>
-              <a:t>-</a:t>
+              <a:t>SV-</a:t>
             </a:r>
             <a:fld id="{31B56995-E14C-B64F-86C9-12D6DB74A41E}" type="slidenum">
               <a:rPr lang="en-US" sz="1200" b="1">
@@ -8605,16 +8578,7 @@
                 </a:solidFill>
                 <a:cs typeface="Trebuchet MS" charset="0"/>
               </a:rPr>
-              <a:t>7</a:t>
-            </a:r>
-            <a:r>
-              <a:rPr lang="en-US" sz="1200" b="1" dirty="0" smtClean="0">
-                <a:solidFill>
-                  <a:srgbClr val="122956"/>
-                </a:solidFill>
-                <a:cs typeface="Trebuchet MS" charset="0"/>
-              </a:rPr>
-              <a:t>-</a:t>
+              <a:t>SV-</a:t>
             </a:r>
             <a:fld id="{31B56995-E14C-B64F-86C9-12D6DB74A41E}" type="slidenum">
               <a:rPr lang="en-US" sz="1200" b="1">
@@ -8917,16 +8881,7 @@
                 </a:solidFill>
                 <a:cs typeface="Trebuchet MS" charset="0"/>
               </a:rPr>
-              <a:t>7</a:t>
-            </a:r>
-            <a:r>
-              <a:rPr lang="en-US" sz="1200" b="1" dirty="0" smtClean="0">
-                <a:solidFill>
-                  <a:srgbClr val="122956"/>
-                </a:solidFill>
-                <a:cs typeface="Trebuchet MS" charset="0"/>
-              </a:rPr>
-              <a:t>-</a:t>
+              <a:t>SV-</a:t>
             </a:r>
             <a:fld id="{31B56995-E14C-B64F-86C9-12D6DB74A41E}" type="slidenum">
               <a:rPr lang="en-US" sz="1200" b="1">
@@ -9228,16 +9183,7 @@
                 </a:solidFill>
                 <a:cs typeface="Trebuchet MS" charset="0"/>
               </a:rPr>
-              <a:t>7</a:t>
-            </a:r>
-            <a:r>
-              <a:rPr lang="en-US" sz="1200" b="1" dirty="0" smtClean="0">
-                <a:solidFill>
-                  <a:srgbClr val="122956"/>
-                </a:solidFill>
-                <a:cs typeface="Trebuchet MS" charset="0"/>
-              </a:rPr>
-              <a:t>-</a:t>
+              <a:t>SV-</a:t>
             </a:r>
             <a:fld id="{31B56995-E14C-B64F-86C9-12D6DB74A41E}" type="slidenum">
               <a:rPr lang="en-US" sz="1200" b="1">
@@ -9540,16 +9486,7 @@
                 </a:solidFill>
                 <a:cs typeface="Trebuchet MS" charset="0"/>
               </a:rPr>
-              <a:t>7</a:t>
-            </a:r>
-            <a:r>
-              <a:rPr lang="en-US" sz="1200" b="1" dirty="0" smtClean="0">
-                <a:solidFill>
-                  <a:srgbClr val="122956"/>
-                </a:solidFill>
-                <a:cs typeface="Trebuchet MS" charset="0"/>
-              </a:rPr>
-              <a:t>-</a:t>
+              <a:t>SV-</a:t>
             </a:r>
             <a:fld id="{31B56995-E14C-B64F-86C9-12D6DB74A41E}" type="slidenum">
               <a:rPr lang="en-US" sz="1200" b="1">
@@ -9848,16 +9785,7 @@
                 </a:solidFill>
                 <a:cs typeface="Trebuchet MS" charset="0"/>
               </a:rPr>
-              <a:t>7</a:t>
-            </a:r>
-            <a:r>
-              <a:rPr lang="en-US" sz="1200" b="1" dirty="0" smtClean="0">
-                <a:solidFill>
-                  <a:srgbClr val="122956"/>
-                </a:solidFill>
-                <a:cs typeface="Trebuchet MS" charset="0"/>
-              </a:rPr>
-              <a:t>-</a:t>
+              <a:t>SV-</a:t>
             </a:r>
             <a:fld id="{31B56995-E14C-B64F-86C9-12D6DB74A41E}" type="slidenum">
               <a:rPr lang="en-US" sz="1200" b="1">
@@ -10564,16 +10492,7 @@
                 </a:solidFill>
                 <a:cs typeface="Trebuchet MS" charset="0"/>
               </a:rPr>
-              <a:t>7</a:t>
-            </a:r>
-            <a:r>
-              <a:rPr lang="en-US" sz="1200" b="1" dirty="0" smtClean="0">
-                <a:solidFill>
-                  <a:srgbClr val="122956"/>
-                </a:solidFill>
-                <a:cs typeface="Trebuchet MS" charset="0"/>
-              </a:rPr>
-              <a:t>-</a:t>
+              <a:t>SV-</a:t>
             </a:r>
             <a:fld id="{31B56995-E14C-B64F-86C9-12D6DB74A41E}" type="slidenum">
               <a:rPr lang="en-US" sz="1200" b="1">
@@ -11049,16 +10968,7 @@
                 </a:solidFill>
                 <a:cs typeface="Trebuchet MS" charset="0"/>
               </a:rPr>
-              <a:t>7</a:t>
-            </a:r>
-            <a:r>
-              <a:rPr lang="en-US" sz="1200" b="1" dirty="0" smtClean="0">
-                <a:solidFill>
-                  <a:srgbClr val="122956"/>
-                </a:solidFill>
-                <a:cs typeface="Trebuchet MS" charset="0"/>
-              </a:rPr>
-              <a:t>-</a:t>
+              <a:t>SV-</a:t>
             </a:r>
             <a:fld id="{31B56995-E14C-B64F-86C9-12D6DB74A41E}" type="slidenum">
               <a:rPr lang="en-US" sz="1200" b="1">
@@ -11410,16 +11320,7 @@
                 </a:solidFill>
                 <a:cs typeface="Trebuchet MS" charset="0"/>
               </a:rPr>
-              <a:t>7</a:t>
-            </a:r>
-            <a:r>
-              <a:rPr lang="en-US" sz="1200" b="1" dirty="0" smtClean="0">
-                <a:solidFill>
-                  <a:srgbClr val="122956"/>
-                </a:solidFill>
-                <a:cs typeface="Trebuchet MS" charset="0"/>
-              </a:rPr>
-              <a:t>-</a:t>
+              <a:t>SV-</a:t>
             </a:r>
             <a:fld id="{31B56995-E14C-B64F-86C9-12D6DB74A41E}" type="slidenum">
               <a:rPr lang="en-US" sz="1200" b="1">
@@ -11723,16 +11624,7 @@
                 </a:solidFill>
                 <a:cs typeface="Trebuchet MS" charset="0"/>
               </a:rPr>
-              <a:t>7</a:t>
-            </a:r>
-            <a:r>
-              <a:rPr lang="en-US" sz="1200" b="1" dirty="0" smtClean="0">
-                <a:solidFill>
-                  <a:srgbClr val="122956"/>
-                </a:solidFill>
-                <a:cs typeface="Trebuchet MS" charset="0"/>
-              </a:rPr>
-              <a:t>-</a:t>
+              <a:t>SV-</a:t>
             </a:r>
             <a:fld id="{31B56995-E14C-B64F-86C9-12D6DB74A41E}" type="slidenum">
               <a:rPr lang="en-US" sz="1200" b="1">
@@ -12688,16 +12580,7 @@
                 </a:solidFill>
                 <a:cs typeface="Trebuchet MS" charset="0"/>
               </a:rPr>
-              <a:t>7</a:t>
-            </a:r>
-            <a:r>
-              <a:rPr lang="en-US" sz="1200" b="1" dirty="0" smtClean="0">
-                <a:solidFill>
-                  <a:srgbClr val="122956"/>
-                </a:solidFill>
-                <a:cs typeface="Trebuchet MS" charset="0"/>
-              </a:rPr>
-              <a:t>-</a:t>
+              <a:t>SV-</a:t>
             </a:r>
             <a:fld id="{31B56995-E14C-B64F-86C9-12D6DB74A41E}" type="slidenum">
               <a:rPr lang="en-US" sz="1200" b="1">
@@ -13138,16 +13021,7 @@
                 </a:solidFill>
                 <a:cs typeface="Trebuchet MS" charset="0"/>
               </a:rPr>
-              <a:t>7</a:t>
-            </a:r>
-            <a:r>
-              <a:rPr lang="en-US" sz="1200" b="1" dirty="0" smtClean="0">
-                <a:solidFill>
-                  <a:srgbClr val="122956"/>
-                </a:solidFill>
-                <a:cs typeface="Trebuchet MS" charset="0"/>
-              </a:rPr>
-              <a:t>-</a:t>
+              <a:t>SV-</a:t>
             </a:r>
             <a:fld id="{31B56995-E14C-B64F-86C9-12D6DB74A41E}" type="slidenum">
               <a:rPr lang="en-US" sz="1200" b="1">
@@ -13512,16 +13386,7 @@
                 </a:solidFill>
                 <a:cs typeface="Trebuchet MS" charset="0"/>
               </a:rPr>
-              <a:t>7</a:t>
-            </a:r>
-            <a:r>
-              <a:rPr lang="en-US" sz="1200" b="1" dirty="0" smtClean="0">
-                <a:solidFill>
-                  <a:srgbClr val="122956"/>
-                </a:solidFill>
-                <a:cs typeface="Trebuchet MS" charset="0"/>
-              </a:rPr>
-              <a:t>-</a:t>
+              <a:t>SV-</a:t>
             </a:r>
             <a:fld id="{31B56995-E14C-B64F-86C9-12D6DB74A41E}" type="slidenum">
               <a:rPr lang="en-US" sz="1200" b="1">

--- a/335.pptx
+++ b/335.pptx
@@ -248,7 +248,7 @@
               <a:pPr>
                 <a:defRPr/>
               </a:pPr>
-              <a:t>9/27/11</a:t>
+              <a:t>11/4/11</a:t>
             </a:fld>
             <a:endParaRPr lang="en-US"/>
           </a:p>
@@ -431,7 +431,7 @@
               <a:pPr>
                 <a:defRPr/>
               </a:pPr>
-              <a:t>9/27/11</a:t>
+              <a:t>11/4/11</a:t>
             </a:fld>
             <a:endParaRPr lang="en-US"/>
           </a:p>
@@ -3410,7 +3410,7 @@
               <a:pPr>
                 <a:defRPr/>
               </a:pPr>
-              <a:t>9/27/11</a:t>
+              <a:t>11/4/11</a:t>
             </a:fld>
             <a:endParaRPr lang="en-US"/>
           </a:p>
@@ -3790,7 +3790,7 @@
               <a:pPr>
                 <a:defRPr/>
               </a:pPr>
-              <a:t>9/27/11</a:t>
+              <a:t>11/4/11</a:t>
             </a:fld>
             <a:endParaRPr lang="en-US"/>
           </a:p>
@@ -4352,7 +4352,7 @@
               <a:pPr>
                 <a:defRPr/>
               </a:pPr>
-              <a:t>9/27/11</a:t>
+              <a:t>11/4/11</a:t>
             </a:fld>
             <a:endParaRPr lang="en-US"/>
           </a:p>
@@ -4962,7 +4962,7 @@
               <a:pPr>
                 <a:defRPr/>
               </a:pPr>
-              <a:t>9/27/11</a:t>
+              <a:t>11/4/11</a:t>
             </a:fld>
             <a:endParaRPr lang="en-US"/>
           </a:p>
@@ -5084,7 +5084,7 @@
               <a:pPr>
                 <a:defRPr/>
               </a:pPr>
-              <a:t>9/27/11</a:t>
+              <a:t>11/4/11</a:t>
             </a:fld>
             <a:endParaRPr lang="en-US"/>
           </a:p>
@@ -5371,7 +5371,7 @@
               <a:pPr>
                 <a:defRPr/>
               </a:pPr>
-              <a:t>9/27/11</a:t>
+              <a:t>11/4/11</a:t>
             </a:fld>
             <a:endParaRPr lang="en-US"/>
           </a:p>
@@ -10625,12 +10625,6 @@
               <a:t>= </a:t>
             </a:r>
             <a:r>
-              <a:rPr lang="en-US" sz="2000" dirty="0">
-                <a:latin typeface="Monaco" charset="0"/>
-              </a:rPr>
-              <a:t>new </a:t>
-            </a:r>
-            <a:r>
               <a:rPr lang="en-US" sz="2000" dirty="0" err="1" smtClean="0">
                 <a:latin typeface="Monaco" charset="0"/>
               </a:rPr>
@@ -12711,12 +12705,6 @@
                 <a:latin typeface="Monaco" charset="0"/>
               </a:rPr>
               <a:t>= </a:t>
-            </a:r>
-            <a:r>
-              <a:rPr lang="en-US" sz="2000" dirty="0">
-                <a:latin typeface="Monaco" charset="0"/>
-              </a:rPr>
-              <a:t>new </a:t>
             </a:r>
             <a:r>
               <a:rPr lang="en-US" sz="2000" dirty="0" err="1" smtClean="0">

--- a/335.pptx
+++ b/335.pptx
@@ -248,7 +248,7 @@
               <a:pPr>
                 <a:defRPr/>
               </a:pPr>
-              <a:t>11/4/11</a:t>
+              <a:t>12/14/11</a:t>
             </a:fld>
             <a:endParaRPr lang="en-US"/>
           </a:p>
@@ -431,7 +431,7 @@
               <a:pPr>
                 <a:defRPr/>
               </a:pPr>
-              <a:t>11/4/11</a:t>
+              <a:t>12/14/11</a:t>
             </a:fld>
             <a:endParaRPr lang="en-US"/>
           </a:p>
@@ -2932,8 +2932,12 @@
           </a:p>
           <a:p>
             <a:r>
+              <a:rPr lang="en-US" baseline="0" dirty="0" err="1" smtClean="0"/>
+              <a:t>pagingControl</a:t>
+            </a:r>
+            <a:r>
               <a:rPr lang="en-US" baseline="0" dirty="0" smtClean="0"/>
-              <a:t>The white-dot paging control is a </a:t>
+              <a:t> – white dots on </a:t>
             </a:r>
             <a:r>
               <a:rPr lang="en-US" baseline="0" dirty="0" err="1" smtClean="0"/>
@@ -2941,8 +2945,29 @@
             </a:r>
             <a:r>
               <a:rPr lang="en-US" baseline="0" dirty="0" smtClean="0"/>
-              <a:t>-specific UI element</a:t>
-            </a:r>
+              <a:t>, arrows on Android</a:t>
+            </a:r>
+          </a:p>
+          <a:p>
+            <a:r>
+              <a:rPr lang="en-US" baseline="0" dirty="0" smtClean="0"/>
+              <a:t>by default set to false (don’t show) in 1.8+</a:t>
+            </a:r>
+          </a:p>
+          <a:p>
+            <a:r>
+              <a:rPr lang="en-US" baseline="0" dirty="0" smtClean="0"/>
+              <a:t>On Android, use </a:t>
+            </a:r>
+            <a:r>
+              <a:rPr lang="en-US" baseline="0" dirty="0" err="1" smtClean="0"/>
+              <a:t>pagingControlTimeout</a:t>
+            </a:r>
+            <a:r>
+              <a:rPr lang="en-US" baseline="0" dirty="0" smtClean="0"/>
+              <a:t> to control time when arrows disappear (=0 to always show)</a:t>
+            </a:r>
+            <a:endParaRPr lang="en-US" baseline="0" dirty="0" smtClean="0"/>
           </a:p>
           <a:p>
             <a:endParaRPr lang="en-US" baseline="0" dirty="0" smtClean="0"/>
@@ -3410,7 +3435,7 @@
               <a:pPr>
                 <a:defRPr/>
               </a:pPr>
-              <a:t>11/4/11</a:t>
+              <a:t>12/14/11</a:t>
             </a:fld>
             <a:endParaRPr lang="en-US"/>
           </a:p>
@@ -3790,7 +3815,7 @@
               <a:pPr>
                 <a:defRPr/>
               </a:pPr>
-              <a:t>11/4/11</a:t>
+              <a:t>12/14/11</a:t>
             </a:fld>
             <a:endParaRPr lang="en-US"/>
           </a:p>
@@ -4352,7 +4377,7 @@
               <a:pPr>
                 <a:defRPr/>
               </a:pPr>
-              <a:t>11/4/11</a:t>
+              <a:t>12/14/11</a:t>
             </a:fld>
             <a:endParaRPr lang="en-US"/>
           </a:p>
@@ -4962,7 +4987,7 @@
               <a:pPr>
                 <a:defRPr/>
               </a:pPr>
-              <a:t>11/4/11</a:t>
+              <a:t>12/14/11</a:t>
             </a:fld>
             <a:endParaRPr lang="en-US"/>
           </a:p>
@@ -5084,7 +5109,7 @@
               <a:pPr>
                 <a:defRPr/>
               </a:pPr>
-              <a:t>11/4/11</a:t>
+              <a:t>12/14/11</a:t>
             </a:fld>
             <a:endParaRPr lang="en-US"/>
           </a:p>
@@ -5371,7 +5396,7 @@
               <a:pPr>
                 <a:defRPr/>
               </a:pPr>
-              <a:t>11/4/11</a:t>
+              <a:t>12/14/11</a:t>
             </a:fld>
             <a:endParaRPr lang="en-US"/>
           </a:p>
